--- a/dotnetconf/Technical/Decks/KeyNote/dotNETConf2018-KEYNOTE.pptx
+++ b/dotnetconf/Technical/Decks/KeyNote/dotNETConf2018-KEYNOTE.pptx
@@ -5,7 +5,7 @@
     <p:sldMasterId id="2147483715" r:id="rId4"/>
   </p:sldMasterIdLst>
   <p:notesMasterIdLst>
-    <p:notesMasterId r:id="rId24"/>
+    <p:notesMasterId r:id="rId31"/>
   </p:notesMasterIdLst>
   <p:sldIdLst>
     <p:sldId id="256" r:id="rId5"/>
@@ -20,13 +20,20 @@
     <p:sldId id="1874" r:id="rId14"/>
     <p:sldId id="1880" r:id="rId15"/>
     <p:sldId id="1869" r:id="rId16"/>
-    <p:sldId id="1882" r:id="rId17"/>
-    <p:sldId id="1604" r:id="rId18"/>
-    <p:sldId id="2352" r:id="rId19"/>
-    <p:sldId id="1820" r:id="rId20"/>
-    <p:sldId id="2356" r:id="rId21"/>
-    <p:sldId id="1942" r:id="rId22"/>
-    <p:sldId id="2353" r:id="rId23"/>
+    <p:sldId id="2352" r:id="rId17"/>
+    <p:sldId id="1820" r:id="rId18"/>
+    <p:sldId id="2357" r:id="rId19"/>
+    <p:sldId id="2358" r:id="rId20"/>
+    <p:sldId id="2359" r:id="rId21"/>
+    <p:sldId id="2360" r:id="rId22"/>
+    <p:sldId id="2361" r:id="rId23"/>
+    <p:sldId id="1604" r:id="rId24"/>
+    <p:sldId id="2362" r:id="rId25"/>
+    <p:sldId id="1942" r:id="rId26"/>
+    <p:sldId id="2363" r:id="rId27"/>
+    <p:sldId id="2364" r:id="rId28"/>
+    <p:sldId id="2365" r:id="rId29"/>
+    <p:sldId id="2353" r:id="rId30"/>
   </p:sldIdLst>
   <p:sldSz cx="12192000" cy="6858000"/>
   <p:notesSz cx="6858000" cy="9144000"/>
@@ -142,12 +149,19 @@
             <p14:sldId id="1874"/>
             <p14:sldId id="1880"/>
             <p14:sldId id="1869"/>
-            <p14:sldId id="1882"/>
-            <p14:sldId id="1604"/>
             <p14:sldId id="2352"/>
             <p14:sldId id="1820"/>
-            <p14:sldId id="2356"/>
+            <p14:sldId id="2357"/>
+            <p14:sldId id="2358"/>
+            <p14:sldId id="2359"/>
+            <p14:sldId id="2360"/>
+            <p14:sldId id="2361"/>
+            <p14:sldId id="1604"/>
+            <p14:sldId id="2362"/>
             <p14:sldId id="1942"/>
+            <p14:sldId id="2363"/>
+            <p14:sldId id="2364"/>
+            <p14:sldId id="2365"/>
             <p14:sldId id="2353"/>
           </p14:sldIdLst>
         </p14:section>
@@ -163,8 +177,8 @@
 <file path=ppt/revisionInfo.xml><?xml version="1.0" encoding="utf-8"?>
 <p1510:revInfo xmlns:a="http://schemas.openxmlformats.org/drawingml/2006/main" xmlns:r="http://schemas.openxmlformats.org/officeDocument/2006/relationships" xmlns:p1510="http://schemas.microsoft.com/office/powerpoint/2015/10/main">
   <p1510:revLst>
+    <p1510:client id="{EFD925F9-6D44-4C17-9AC2-96CEC9FCC669}" v="2683" dt="2018-09-12T18:27:09.884"/>
     <p1510:client id="{0265797A-05E1-4A84-8EFD-652B0A84C39A}" v="309" dt="2018-09-12T14:54:00.013"/>
-    <p1510:client id="{EFD925F9-6D44-4C17-9AC2-96CEC9FCC669}" v="2683" dt="2018-09-12T18:27:09.884"/>
   </p1510:revLst>
 </p1510:revInfo>
 </file>
@@ -1466,7 +1480,7 @@
           <a:p>
             <a:fld id="{18438622-0837-4E9E-A16C-0B0206CE676E}" type="datetimeFigureOut">
               <a:rPr lang="en-US" smtClean="0"/>
-              <a:t>10/26/18</a:t>
+              <a:t>10/27/2018</a:t>
             </a:fld>
             <a:endParaRPr lang="en-US"/>
           </a:p>
@@ -2026,7 +2040,10 @@
           <a:bodyPr/>
           <a:lstStyle/>
           <a:p>
-            <a:endParaRPr lang="en-US"/>
+            <a:r>
+              <a:rPr lang="en-US"/>
+              <a:t>Scott to intro Mads. Mads to intro Miguel. Miguel intro Scott &amp; Mads back on stage for farewell and enjoy the show!</a:t>
+            </a:r>
           </a:p>
         </p:txBody>
       </p:sp>
@@ -2056,7 +2073,7 @@
     </p:spTree>
     <p:extLst>
       <p:ext uri="{BB962C8B-B14F-4D97-AF65-F5344CB8AC3E}">
-        <p14:creationId xmlns:p14="http://schemas.microsoft.com/office/powerpoint/2010/main" val="1492597308"/>
+        <p14:creationId xmlns:p14="http://schemas.microsoft.com/office/powerpoint/2010/main" val="2513930966"/>
       </p:ext>
     </p:extLst>
   </p:cSld>
@@ -2110,7 +2127,10 @@
           <a:bodyPr/>
           <a:lstStyle/>
           <a:p>
-            <a:endParaRPr lang="en-US"/>
+            <a:r>
+              <a:rPr lang="en-US"/>
+              <a:t>Scott to intro Mads. Mads to intro Miguel. Miguel intro Scott &amp; Mads back on stage for farewell and enjoy the show!</a:t>
+            </a:r>
           </a:p>
         </p:txBody>
       </p:sp>
@@ -2129,9 +2149,9 @@
           <a:bodyPr/>
           <a:lstStyle/>
           <a:p>
-            <a:fld id="{3B0E1954-42E9-4D15-8745-9DC569064055}" type="slidenum">
+            <a:fld id="{E0AE778D-2A57-4226-B72B-26EA3CA60131}" type="slidenum">
               <a:rPr lang="en-US" smtClean="0"/>
-              <a:t>14</a:t>
+              <a:t>15</a:t>
             </a:fld>
             <a:endParaRPr lang="en-US"/>
           </a:p>
@@ -2140,7 +2160,7 @@
     </p:spTree>
     <p:extLst>
       <p:ext uri="{BB962C8B-B14F-4D97-AF65-F5344CB8AC3E}">
-        <p14:creationId xmlns:p14="http://schemas.microsoft.com/office/powerpoint/2010/main" val="3925077474"/>
+        <p14:creationId xmlns:p14="http://schemas.microsoft.com/office/powerpoint/2010/main" val="2220292838"/>
       </p:ext>
     </p:extLst>
   </p:cSld>
@@ -2218,7 +2238,7 @@
           <a:p>
             <a:fld id="{E0AE778D-2A57-4226-B72B-26EA3CA60131}" type="slidenum">
               <a:rPr lang="en-US" smtClean="0"/>
-              <a:t>15</a:t>
+              <a:t>16</a:t>
             </a:fld>
             <a:endParaRPr lang="en-US"/>
           </a:p>
@@ -2227,7 +2247,7 @@
     </p:spTree>
     <p:extLst>
       <p:ext uri="{BB962C8B-B14F-4D97-AF65-F5344CB8AC3E}">
-        <p14:creationId xmlns:p14="http://schemas.microsoft.com/office/powerpoint/2010/main" val="2513930966"/>
+        <p14:creationId xmlns:p14="http://schemas.microsoft.com/office/powerpoint/2010/main" val="3651946174"/>
       </p:ext>
     </p:extLst>
   </p:cSld>
@@ -2314,7 +2334,7 @@
     </p:spTree>
     <p:extLst>
       <p:ext uri="{BB962C8B-B14F-4D97-AF65-F5344CB8AC3E}">
-        <p14:creationId xmlns:p14="http://schemas.microsoft.com/office/powerpoint/2010/main" val="2513930966"/>
+        <p14:creationId xmlns:p14="http://schemas.microsoft.com/office/powerpoint/2010/main" val="970612648"/>
       </p:ext>
     </p:extLst>
   </p:cSld>
@@ -2368,7 +2388,10 @@
           <a:bodyPr/>
           <a:lstStyle/>
           <a:p>
-            <a:endParaRPr lang="en-US"/>
+            <a:r>
+              <a:rPr lang="en-US"/>
+              <a:t>Scott to intro Mads. Mads to intro Miguel. Miguel intro Scott &amp; Mads back on stage for farewell and enjoy the show!</a:t>
+            </a:r>
           </a:p>
         </p:txBody>
       </p:sp>
@@ -2389,7 +2412,7 @@
           <a:p>
             <a:fld id="{E0AE778D-2A57-4226-B72B-26EA3CA60131}" type="slidenum">
               <a:rPr lang="en-US" smtClean="0"/>
-              <a:t>19</a:t>
+              <a:t>18</a:t>
             </a:fld>
             <a:endParaRPr lang="en-US"/>
           </a:p>
@@ -2398,7 +2421,352 @@
     </p:spTree>
     <p:extLst>
       <p:ext uri="{BB962C8B-B14F-4D97-AF65-F5344CB8AC3E}">
-        <p14:creationId xmlns:p14="http://schemas.microsoft.com/office/powerpoint/2010/main" val="822522246"/>
+        <p14:creationId xmlns:p14="http://schemas.microsoft.com/office/powerpoint/2010/main" val="390393836"/>
+      </p:ext>
+    </p:extLst>
+  </p:cSld>
+  <p:clrMapOvr>
+    <a:masterClrMapping/>
+  </p:clrMapOvr>
+</p:notes>
+</file>
+
+<file path=ppt/notesSlides/notesSlide16.xml><?xml version="1.0" encoding="utf-8"?>
+<p:notes xmlns:a="http://schemas.openxmlformats.org/drawingml/2006/main" xmlns:r="http://schemas.openxmlformats.org/officeDocument/2006/relationships" xmlns:p="http://schemas.openxmlformats.org/presentationml/2006/main">
+  <p:cSld>
+    <p:spTree>
+      <p:nvGrpSpPr>
+        <p:cNvPr id="1" name=""/>
+        <p:cNvGrpSpPr/>
+        <p:nvPr/>
+      </p:nvGrpSpPr>
+      <p:grpSpPr>
+        <a:xfrm>
+          <a:off x="0" y="0"/>
+          <a:ext cx="0" cy="0"/>
+          <a:chOff x="0" y="0"/>
+          <a:chExt cx="0" cy="0"/>
+        </a:xfrm>
+      </p:grpSpPr>
+      <p:sp>
+        <p:nvSpPr>
+          <p:cNvPr id="2" name="Slide Image Placeholder 1"/>
+          <p:cNvSpPr>
+            <a:spLocks noGrp="1" noRot="1" noChangeAspect="1"/>
+          </p:cNvSpPr>
+          <p:nvPr>
+            <p:ph type="sldImg"/>
+          </p:nvPr>
+        </p:nvSpPr>
+        <p:spPr/>
+      </p:sp>
+      <p:sp>
+        <p:nvSpPr>
+          <p:cNvPr id="3" name="Notes Placeholder 2"/>
+          <p:cNvSpPr>
+            <a:spLocks noGrp="1"/>
+          </p:cNvSpPr>
+          <p:nvPr>
+            <p:ph type="body" idx="1"/>
+          </p:nvPr>
+        </p:nvSpPr>
+        <p:spPr/>
+        <p:txBody>
+          <a:bodyPr/>
+          <a:lstStyle/>
+          <a:p>
+            <a:r>
+              <a:rPr lang="en-US"/>
+              <a:t>Scott to intro Mads. Mads to intro Miguel. Miguel intro Scott &amp; Mads back on stage for farewell and enjoy the show!</a:t>
+            </a:r>
+          </a:p>
+        </p:txBody>
+      </p:sp>
+      <p:sp>
+        <p:nvSpPr>
+          <p:cNvPr id="4" name="Slide Number Placeholder 3"/>
+          <p:cNvSpPr>
+            <a:spLocks noGrp="1"/>
+          </p:cNvSpPr>
+          <p:nvPr>
+            <p:ph type="sldNum" sz="quarter" idx="10"/>
+          </p:nvPr>
+        </p:nvSpPr>
+        <p:spPr/>
+        <p:txBody>
+          <a:bodyPr/>
+          <a:lstStyle/>
+          <a:p>
+            <a:fld id="{E0AE778D-2A57-4226-B72B-26EA3CA60131}" type="slidenum">
+              <a:rPr lang="en-US" smtClean="0"/>
+              <a:t>19</a:t>
+            </a:fld>
+            <a:endParaRPr lang="en-US"/>
+          </a:p>
+        </p:txBody>
+      </p:sp>
+    </p:spTree>
+    <p:extLst>
+      <p:ext uri="{BB962C8B-B14F-4D97-AF65-F5344CB8AC3E}">
+        <p14:creationId xmlns:p14="http://schemas.microsoft.com/office/powerpoint/2010/main" val="3928855324"/>
+      </p:ext>
+    </p:extLst>
+  </p:cSld>
+  <p:clrMapOvr>
+    <a:masterClrMapping/>
+  </p:clrMapOvr>
+</p:notes>
+</file>
+
+<file path=ppt/notesSlides/notesSlide17.xml><?xml version="1.0" encoding="utf-8"?>
+<p:notes xmlns:a="http://schemas.openxmlformats.org/drawingml/2006/main" xmlns:r="http://schemas.openxmlformats.org/officeDocument/2006/relationships" xmlns:p="http://schemas.openxmlformats.org/presentationml/2006/main">
+  <p:cSld>
+    <p:spTree>
+      <p:nvGrpSpPr>
+        <p:cNvPr id="1" name=""/>
+        <p:cNvGrpSpPr/>
+        <p:nvPr/>
+      </p:nvGrpSpPr>
+      <p:grpSpPr>
+        <a:xfrm>
+          <a:off x="0" y="0"/>
+          <a:ext cx="0" cy="0"/>
+          <a:chOff x="0" y="0"/>
+          <a:chExt cx="0" cy="0"/>
+        </a:xfrm>
+      </p:grpSpPr>
+      <p:sp>
+        <p:nvSpPr>
+          <p:cNvPr id="2" name="Slide Image Placeholder 1"/>
+          <p:cNvSpPr>
+            <a:spLocks noGrp="1" noRot="1" noChangeAspect="1"/>
+          </p:cNvSpPr>
+          <p:nvPr>
+            <p:ph type="sldImg"/>
+          </p:nvPr>
+        </p:nvSpPr>
+        <p:spPr/>
+      </p:sp>
+      <p:sp>
+        <p:nvSpPr>
+          <p:cNvPr id="3" name="Notes Placeholder 2"/>
+          <p:cNvSpPr>
+            <a:spLocks noGrp="1"/>
+          </p:cNvSpPr>
+          <p:nvPr>
+            <p:ph type="body" idx="1"/>
+          </p:nvPr>
+        </p:nvSpPr>
+        <p:spPr/>
+        <p:txBody>
+          <a:bodyPr/>
+          <a:lstStyle/>
+          <a:p>
+            <a:endParaRPr lang="en-US"/>
+          </a:p>
+        </p:txBody>
+      </p:sp>
+      <p:sp>
+        <p:nvSpPr>
+          <p:cNvPr id="4" name="Slide Number Placeholder 3"/>
+          <p:cNvSpPr>
+            <a:spLocks noGrp="1"/>
+          </p:cNvSpPr>
+          <p:nvPr>
+            <p:ph type="sldNum" sz="quarter" idx="10"/>
+          </p:nvPr>
+        </p:nvSpPr>
+        <p:spPr/>
+        <p:txBody>
+          <a:bodyPr/>
+          <a:lstStyle/>
+          <a:p>
+            <a:fld id="{3B0E1954-42E9-4D15-8745-9DC569064055}" type="slidenum">
+              <a:rPr lang="en-US" smtClean="0"/>
+              <a:t>20</a:t>
+            </a:fld>
+            <a:endParaRPr lang="en-US"/>
+          </a:p>
+        </p:txBody>
+      </p:sp>
+    </p:spTree>
+    <p:extLst>
+      <p:ext uri="{BB962C8B-B14F-4D97-AF65-F5344CB8AC3E}">
+        <p14:creationId xmlns:p14="http://schemas.microsoft.com/office/powerpoint/2010/main" val="3925077474"/>
+      </p:ext>
+    </p:extLst>
+  </p:cSld>
+  <p:clrMapOvr>
+    <a:masterClrMapping/>
+  </p:clrMapOvr>
+</p:notes>
+</file>
+
+<file path=ppt/notesSlides/notesSlide18.xml><?xml version="1.0" encoding="utf-8"?>
+<p:notes xmlns:a="http://schemas.openxmlformats.org/drawingml/2006/main" xmlns:r="http://schemas.openxmlformats.org/officeDocument/2006/relationships" xmlns:p="http://schemas.openxmlformats.org/presentationml/2006/main">
+  <p:cSld>
+    <p:spTree>
+      <p:nvGrpSpPr>
+        <p:cNvPr id="1" name=""/>
+        <p:cNvGrpSpPr/>
+        <p:nvPr/>
+      </p:nvGrpSpPr>
+      <p:grpSpPr>
+        <a:xfrm>
+          <a:off x="0" y="0"/>
+          <a:ext cx="0" cy="0"/>
+          <a:chOff x="0" y="0"/>
+          <a:chExt cx="0" cy="0"/>
+        </a:xfrm>
+      </p:grpSpPr>
+      <p:sp>
+        <p:nvSpPr>
+          <p:cNvPr id="2" name="Slide Image Placeholder 1"/>
+          <p:cNvSpPr>
+            <a:spLocks noGrp="1" noRot="1" noChangeAspect="1"/>
+          </p:cNvSpPr>
+          <p:nvPr>
+            <p:ph type="sldImg"/>
+          </p:nvPr>
+        </p:nvSpPr>
+        <p:spPr/>
+      </p:sp>
+      <p:sp>
+        <p:nvSpPr>
+          <p:cNvPr id="3" name="Notes Placeholder 2"/>
+          <p:cNvSpPr>
+            <a:spLocks noGrp="1"/>
+          </p:cNvSpPr>
+          <p:nvPr>
+            <p:ph type="body" idx="1"/>
+          </p:nvPr>
+        </p:nvSpPr>
+        <p:spPr/>
+        <p:txBody>
+          <a:bodyPr/>
+          <a:lstStyle/>
+          <a:p>
+            <a:r>
+              <a:rPr lang="en-US"/>
+              <a:t>Scott to intro Mads. Mads to intro Miguel. Miguel intro Scott &amp; Mads back on stage for farewell and enjoy the show!</a:t>
+            </a:r>
+          </a:p>
+        </p:txBody>
+      </p:sp>
+      <p:sp>
+        <p:nvSpPr>
+          <p:cNvPr id="4" name="Slide Number Placeholder 3"/>
+          <p:cNvSpPr>
+            <a:spLocks noGrp="1"/>
+          </p:cNvSpPr>
+          <p:nvPr>
+            <p:ph type="sldNum" sz="quarter" idx="10"/>
+          </p:nvPr>
+        </p:nvSpPr>
+        <p:spPr/>
+        <p:txBody>
+          <a:bodyPr/>
+          <a:lstStyle/>
+          <a:p>
+            <a:fld id="{E0AE778D-2A57-4226-B72B-26EA3CA60131}" type="slidenum">
+              <a:rPr lang="en-US" smtClean="0"/>
+              <a:t>21</a:t>
+            </a:fld>
+            <a:endParaRPr lang="en-US"/>
+          </a:p>
+        </p:txBody>
+      </p:sp>
+    </p:spTree>
+    <p:extLst>
+      <p:ext uri="{BB962C8B-B14F-4D97-AF65-F5344CB8AC3E}">
+        <p14:creationId xmlns:p14="http://schemas.microsoft.com/office/powerpoint/2010/main" val="1447246349"/>
+      </p:ext>
+    </p:extLst>
+  </p:cSld>
+  <p:clrMapOvr>
+    <a:masterClrMapping/>
+  </p:clrMapOvr>
+</p:notes>
+</file>
+
+<file path=ppt/notesSlides/notesSlide19.xml><?xml version="1.0" encoding="utf-8"?>
+<p:notes xmlns:a="http://schemas.openxmlformats.org/drawingml/2006/main" xmlns:r="http://schemas.openxmlformats.org/officeDocument/2006/relationships" xmlns:p="http://schemas.openxmlformats.org/presentationml/2006/main">
+  <p:cSld>
+    <p:spTree>
+      <p:nvGrpSpPr>
+        <p:cNvPr id="1" name=""/>
+        <p:cNvGrpSpPr/>
+        <p:nvPr/>
+      </p:nvGrpSpPr>
+      <p:grpSpPr>
+        <a:xfrm>
+          <a:off x="0" y="0"/>
+          <a:ext cx="0" cy="0"/>
+          <a:chOff x="0" y="0"/>
+          <a:chExt cx="0" cy="0"/>
+        </a:xfrm>
+      </p:grpSpPr>
+      <p:sp>
+        <p:nvSpPr>
+          <p:cNvPr id="2" name="Slide Image Placeholder 1"/>
+          <p:cNvSpPr>
+            <a:spLocks noGrp="1" noRot="1" noChangeAspect="1"/>
+          </p:cNvSpPr>
+          <p:nvPr>
+            <p:ph type="sldImg"/>
+          </p:nvPr>
+        </p:nvSpPr>
+        <p:spPr/>
+      </p:sp>
+      <p:sp>
+        <p:nvSpPr>
+          <p:cNvPr id="3" name="Notes Placeholder 2"/>
+          <p:cNvSpPr>
+            <a:spLocks noGrp="1"/>
+          </p:cNvSpPr>
+          <p:nvPr>
+            <p:ph type="body" idx="1"/>
+          </p:nvPr>
+        </p:nvSpPr>
+        <p:spPr/>
+        <p:txBody>
+          <a:bodyPr/>
+          <a:lstStyle/>
+          <a:p>
+            <a:r>
+              <a:rPr lang="en-US"/>
+              <a:t>Scott to intro Mads. Mads to intro Miguel. Miguel intro Scott &amp; Mads back on stage for farewell and enjoy the show!</a:t>
+            </a:r>
+          </a:p>
+        </p:txBody>
+      </p:sp>
+      <p:sp>
+        <p:nvSpPr>
+          <p:cNvPr id="4" name="Slide Number Placeholder 3"/>
+          <p:cNvSpPr>
+            <a:spLocks noGrp="1"/>
+          </p:cNvSpPr>
+          <p:nvPr>
+            <p:ph type="sldNum" sz="quarter" idx="10"/>
+          </p:nvPr>
+        </p:nvSpPr>
+        <p:spPr/>
+        <p:txBody>
+          <a:bodyPr/>
+          <a:lstStyle/>
+          <a:p>
+            <a:fld id="{E0AE778D-2A57-4226-B72B-26EA3CA60131}" type="slidenum">
+              <a:rPr lang="en-US" smtClean="0"/>
+              <a:t>23</a:t>
+            </a:fld>
+            <a:endParaRPr lang="en-US"/>
+          </a:p>
+        </p:txBody>
+      </p:sp>
+    </p:spTree>
+    <p:extLst>
+      <p:ext uri="{BB962C8B-B14F-4D97-AF65-F5344CB8AC3E}">
+        <p14:creationId xmlns:p14="http://schemas.microsoft.com/office/powerpoint/2010/main" val="4164885656"/>
       </p:ext>
     </p:extLst>
   </p:cSld>
@@ -2483,6 +2851,177 @@
     <p:extLst>
       <p:ext uri="{BB962C8B-B14F-4D97-AF65-F5344CB8AC3E}">
         <p14:creationId xmlns:p14="http://schemas.microsoft.com/office/powerpoint/2010/main" val="428488720"/>
+      </p:ext>
+    </p:extLst>
+  </p:cSld>
+  <p:clrMapOvr>
+    <a:masterClrMapping/>
+  </p:clrMapOvr>
+</p:notes>
+</file>
+
+<file path=ppt/notesSlides/notesSlide20.xml><?xml version="1.0" encoding="utf-8"?>
+<p:notes xmlns:a="http://schemas.openxmlformats.org/drawingml/2006/main" xmlns:r="http://schemas.openxmlformats.org/officeDocument/2006/relationships" xmlns:p="http://schemas.openxmlformats.org/presentationml/2006/main">
+  <p:cSld>
+    <p:spTree>
+      <p:nvGrpSpPr>
+        <p:cNvPr id="1" name=""/>
+        <p:cNvGrpSpPr/>
+        <p:nvPr/>
+      </p:nvGrpSpPr>
+      <p:grpSpPr>
+        <a:xfrm>
+          <a:off x="0" y="0"/>
+          <a:ext cx="0" cy="0"/>
+          <a:chOff x="0" y="0"/>
+          <a:chExt cx="0" cy="0"/>
+        </a:xfrm>
+      </p:grpSpPr>
+      <p:sp>
+        <p:nvSpPr>
+          <p:cNvPr id="2" name="Slide Image Placeholder 1"/>
+          <p:cNvSpPr>
+            <a:spLocks noGrp="1" noRot="1" noChangeAspect="1"/>
+          </p:cNvSpPr>
+          <p:nvPr>
+            <p:ph type="sldImg"/>
+          </p:nvPr>
+        </p:nvSpPr>
+        <p:spPr/>
+      </p:sp>
+      <p:sp>
+        <p:nvSpPr>
+          <p:cNvPr id="3" name="Notes Placeholder 2"/>
+          <p:cNvSpPr>
+            <a:spLocks noGrp="1"/>
+          </p:cNvSpPr>
+          <p:nvPr>
+            <p:ph type="body" idx="1"/>
+          </p:nvPr>
+        </p:nvSpPr>
+        <p:spPr/>
+        <p:txBody>
+          <a:bodyPr/>
+          <a:lstStyle/>
+          <a:p>
+            <a:r>
+              <a:rPr lang="en-US"/>
+              <a:t>Scott to intro Mads. Mads to intro Miguel. Miguel intro Scott &amp; Mads back on stage for farewell and enjoy the show!</a:t>
+            </a:r>
+          </a:p>
+        </p:txBody>
+      </p:sp>
+      <p:sp>
+        <p:nvSpPr>
+          <p:cNvPr id="4" name="Slide Number Placeholder 3"/>
+          <p:cNvSpPr>
+            <a:spLocks noGrp="1"/>
+          </p:cNvSpPr>
+          <p:nvPr>
+            <p:ph type="sldNum" sz="quarter" idx="10"/>
+          </p:nvPr>
+        </p:nvSpPr>
+        <p:spPr/>
+        <p:txBody>
+          <a:bodyPr/>
+          <a:lstStyle/>
+          <a:p>
+            <a:fld id="{E0AE778D-2A57-4226-B72B-26EA3CA60131}" type="slidenum">
+              <a:rPr lang="en-US" smtClean="0"/>
+              <a:t>24</a:t>
+            </a:fld>
+            <a:endParaRPr lang="en-US"/>
+          </a:p>
+        </p:txBody>
+      </p:sp>
+    </p:spTree>
+    <p:extLst>
+      <p:ext uri="{BB962C8B-B14F-4D97-AF65-F5344CB8AC3E}">
+        <p14:creationId xmlns:p14="http://schemas.microsoft.com/office/powerpoint/2010/main" val="1816857581"/>
+      </p:ext>
+    </p:extLst>
+  </p:cSld>
+  <p:clrMapOvr>
+    <a:masterClrMapping/>
+  </p:clrMapOvr>
+</p:notes>
+</file>
+
+<file path=ppt/notesSlides/notesSlide21.xml><?xml version="1.0" encoding="utf-8"?>
+<p:notes xmlns:a="http://schemas.openxmlformats.org/drawingml/2006/main" xmlns:r="http://schemas.openxmlformats.org/officeDocument/2006/relationships" xmlns:p="http://schemas.openxmlformats.org/presentationml/2006/main">
+  <p:cSld>
+    <p:spTree>
+      <p:nvGrpSpPr>
+        <p:cNvPr id="1" name=""/>
+        <p:cNvGrpSpPr/>
+        <p:nvPr/>
+      </p:nvGrpSpPr>
+      <p:grpSpPr>
+        <a:xfrm>
+          <a:off x="0" y="0"/>
+          <a:ext cx="0" cy="0"/>
+          <a:chOff x="0" y="0"/>
+          <a:chExt cx="0" cy="0"/>
+        </a:xfrm>
+      </p:grpSpPr>
+      <p:sp>
+        <p:nvSpPr>
+          <p:cNvPr id="2" name="Slide Image Placeholder 1"/>
+          <p:cNvSpPr>
+            <a:spLocks noGrp="1" noRot="1" noChangeAspect="1"/>
+          </p:cNvSpPr>
+          <p:nvPr>
+            <p:ph type="sldImg"/>
+          </p:nvPr>
+        </p:nvSpPr>
+        <p:spPr/>
+      </p:sp>
+      <p:sp>
+        <p:nvSpPr>
+          <p:cNvPr id="3" name="Notes Placeholder 2"/>
+          <p:cNvSpPr>
+            <a:spLocks noGrp="1"/>
+          </p:cNvSpPr>
+          <p:nvPr>
+            <p:ph type="body" idx="1"/>
+          </p:nvPr>
+        </p:nvSpPr>
+        <p:spPr/>
+        <p:txBody>
+          <a:bodyPr/>
+          <a:lstStyle/>
+          <a:p>
+            <a:endParaRPr lang="en-US"/>
+          </a:p>
+        </p:txBody>
+      </p:sp>
+      <p:sp>
+        <p:nvSpPr>
+          <p:cNvPr id="4" name="Slide Number Placeholder 3"/>
+          <p:cNvSpPr>
+            <a:spLocks noGrp="1"/>
+          </p:cNvSpPr>
+          <p:nvPr>
+            <p:ph type="sldNum" sz="quarter" idx="10"/>
+          </p:nvPr>
+        </p:nvSpPr>
+        <p:spPr/>
+        <p:txBody>
+          <a:bodyPr/>
+          <a:lstStyle/>
+          <a:p>
+            <a:fld id="{E0AE778D-2A57-4226-B72B-26EA3CA60131}" type="slidenum">
+              <a:rPr lang="en-US" smtClean="0"/>
+              <a:t>26</a:t>
+            </a:fld>
+            <a:endParaRPr lang="en-US"/>
+          </a:p>
+        </p:txBody>
+      </p:sp>
+    </p:spTree>
+    <p:extLst>
+      <p:ext uri="{BB962C8B-B14F-4D97-AF65-F5344CB8AC3E}">
+        <p14:creationId xmlns:p14="http://schemas.microsoft.com/office/powerpoint/2010/main" val="822522246"/>
       </p:ext>
     </p:extLst>
   </p:cSld>
@@ -13602,247 +14141,48 @@
             <p:ph type="title"/>
           </p:nvPr>
         </p:nvSpPr>
-        <p:spPr/>
-        <p:txBody>
-          <a:bodyPr/>
-          <a:lstStyle/>
-          <a:p>
-            <a:r>
-              <a:rPr lang="en-US" err="1"/>
-              <a:t>Blazor</a:t>
-            </a:r>
-            <a:endParaRPr lang="en-US"/>
-          </a:p>
-        </p:txBody>
-      </p:sp>
-    </p:spTree>
-    <p:extLst>
-      <p:ext uri="{BB962C8B-B14F-4D97-AF65-F5344CB8AC3E}">
-        <p14:creationId xmlns:p14="http://schemas.microsoft.com/office/powerpoint/2010/main" val="2315821031"/>
-      </p:ext>
-    </p:extLst>
-  </p:cSld>
-  <p:clrMapOvr>
-    <a:masterClrMapping/>
-  </p:clrMapOvr>
-  <p:transition>
-    <p:fade/>
-  </p:transition>
-</p:sld>
-</file>
-
-<file path=ppt/slides/slide14.xml><?xml version="1.0" encoding="utf-8"?>
-<p:sld xmlns:a="http://schemas.openxmlformats.org/drawingml/2006/main" xmlns:r="http://schemas.openxmlformats.org/officeDocument/2006/relationships" xmlns:p="http://schemas.openxmlformats.org/presentationml/2006/main">
-  <p:cSld>
-    <p:spTree>
-      <p:nvGrpSpPr>
-        <p:cNvPr id="1" name=""/>
-        <p:cNvGrpSpPr/>
-        <p:nvPr/>
-      </p:nvGrpSpPr>
-      <p:grpSpPr>
-        <a:xfrm>
-          <a:off x="0" y="0"/>
-          <a:ext cx="0" cy="0"/>
-          <a:chOff x="0" y="0"/>
-          <a:chExt cx="0" cy="0"/>
-        </a:xfrm>
-      </p:grpSpPr>
-      <p:sp>
-        <p:nvSpPr>
-          <p:cNvPr id="3" name="Title 2">
-            <a:extLst>
-              <a:ext uri="{FF2B5EF4-FFF2-40B4-BE49-F238E27FC236}">
-                <a16:creationId xmlns:a16="http://schemas.microsoft.com/office/drawing/2014/main" id="{99F46E80-8A3A-4BEC-9584-11F945CD729E}"/>
-              </a:ext>
-            </a:extLst>
-          </p:cNvPr>
-          <p:cNvSpPr>
-            <a:spLocks noGrp="1"/>
-          </p:cNvSpPr>
-          <p:nvPr>
-            <p:ph type="title"/>
-          </p:nvPr>
-        </p:nvSpPr>
-        <p:spPr/>
-        <p:txBody>
-          <a:bodyPr/>
-          <a:lstStyle/>
-          <a:p>
-            <a:r>
-              <a:rPr lang="en-US"/>
-              <a:t>Experimental </a:t>
-            </a:r>
-            <a:r>
-              <a:rPr lang="en-US" err="1"/>
-              <a:t>Blazor</a:t>
-            </a:r>
-            <a:r>
-              <a:rPr lang="en-US"/>
-              <a:t>: .NET in the Browser</a:t>
-            </a:r>
-          </a:p>
-        </p:txBody>
-      </p:sp>
-      <p:sp>
-        <p:nvSpPr>
-          <p:cNvPr id="2" name="Text Placeholder 1">
-            <a:extLst>
-              <a:ext uri="{FF2B5EF4-FFF2-40B4-BE49-F238E27FC236}">
-                <a16:creationId xmlns:a16="http://schemas.microsoft.com/office/drawing/2014/main" id="{9D248784-2C8E-44A2-899F-ED054B8CB822}"/>
-              </a:ext>
-            </a:extLst>
-          </p:cNvPr>
-          <p:cNvSpPr>
-            <a:spLocks noGrp="1"/>
-          </p:cNvSpPr>
-          <p:nvPr>
-            <p:ph type="body" sz="quarter" idx="10"/>
-          </p:nvPr>
-        </p:nvSpPr>
         <p:spPr>
           <a:xfrm>
-            <a:off x="269239" y="1189177"/>
-            <a:ext cx="11653523" cy="4339650"/>
+            <a:off x="568047" y="2084172"/>
+            <a:ext cx="11354714" cy="2622193"/>
           </a:xfrm>
         </p:spPr>
         <p:txBody>
           <a:bodyPr/>
           <a:lstStyle/>
           <a:p>
-            <a:pPr fontAlgn="base"/>
-            <a:r>
-              <a:rPr lang="en-US" sz="3600"/>
-              <a:t>Build client-side Web UI in .NET</a:t>
-            </a:r>
-          </a:p>
-          <a:p>
-            <a:pPr lvl="1" fontAlgn="base"/>
-            <a:r>
-              <a:rPr lang="en-US" sz="2400"/>
-              <a:t>You don’t need to know AngularJS, React, Vue, </a:t>
-            </a:r>
-            <a:r>
-              <a:rPr lang="en-US" sz="2400" err="1"/>
-              <a:t>etc</a:t>
-            </a:r>
-            <a:endParaRPr lang="en-US" sz="2400"/>
-          </a:p>
-          <a:p>
-            <a:pPr lvl="1" fontAlgn="base"/>
-            <a:r>
-              <a:rPr lang="en-US" sz="2400"/>
-              <a:t>Take advantage of stability and consistency of .NET</a:t>
-            </a:r>
-          </a:p>
-          <a:p>
-            <a:pPr fontAlgn="base"/>
-            <a:r>
-              <a:rPr lang="en-US" sz="3600"/>
-              <a:t>Runs in all browsers</a:t>
-            </a:r>
-          </a:p>
-          <a:p>
-            <a:pPr lvl="1" fontAlgn="base"/>
-            <a:r>
-              <a:rPr lang="en-US" sz="2400"/>
-              <a:t>Native performance</a:t>
-            </a:r>
-          </a:p>
-          <a:p>
-            <a:pPr lvl="1" fontAlgn="base"/>
-            <a:r>
-              <a:rPr lang="en-US" sz="2400"/>
-              <a:t>Strongly typed on client and server</a:t>
-            </a:r>
-          </a:p>
-          <a:p>
-            <a:pPr lvl="1" fontAlgn="base"/>
-            <a:r>
-              <a:rPr lang="en-US" sz="2400"/>
-              <a:t>Requires no plugin or code </a:t>
-            </a:r>
-            <a:r>
-              <a:rPr lang="en-US" sz="2400" err="1"/>
-              <a:t>transpilation</a:t>
-            </a:r>
-            <a:endParaRPr lang="en-US" sz="2400"/>
-          </a:p>
-          <a:p>
-            <a:pPr lvl="1" fontAlgn="base"/>
-            <a:r>
-              <a:rPr lang="en-US" sz="2400"/>
-              <a:t>Share C# code with the client and the server</a:t>
-            </a:r>
-          </a:p>
-          <a:p>
-            <a:pPr fontAlgn="base"/>
-            <a:endParaRPr lang="en-US" sz="3600"/>
-          </a:p>
-        </p:txBody>
-      </p:sp>
-    </p:spTree>
-    <p:extLst>
-      <p:ext uri="{BB962C8B-B14F-4D97-AF65-F5344CB8AC3E}">
-        <p14:creationId xmlns:p14="http://schemas.microsoft.com/office/powerpoint/2010/main" val="3167810919"/>
-      </p:ext>
-    </p:extLst>
-  </p:cSld>
-  <p:clrMapOvr>
-    <a:masterClrMapping/>
-  </p:clrMapOvr>
-  <p:transition>
-    <p:fade/>
-  </p:transition>
-</p:sld>
-</file>
-
-<file path=ppt/slides/slide15.xml><?xml version="1.0" encoding="utf-8"?>
-<p:sld xmlns:a="http://schemas.openxmlformats.org/drawingml/2006/main" xmlns:r="http://schemas.openxmlformats.org/officeDocument/2006/relationships" xmlns:p="http://schemas.openxmlformats.org/presentationml/2006/main">
-  <p:cSld>
-    <p:spTree>
-      <p:nvGrpSpPr>
-        <p:cNvPr id="1" name=""/>
-        <p:cNvGrpSpPr/>
-        <p:nvPr/>
-      </p:nvGrpSpPr>
-      <p:grpSpPr>
-        <a:xfrm>
-          <a:off x="0" y="0"/>
-          <a:ext cx="0" cy="0"/>
-          <a:chOff x="0" y="0"/>
-          <a:chExt cx="0" cy="0"/>
-        </a:xfrm>
-      </p:grpSpPr>
-      <p:sp>
-        <p:nvSpPr>
-          <p:cNvPr id="2" name="Title 1">
-            <a:extLst>
-              <a:ext uri="{FF2B5EF4-FFF2-40B4-BE49-F238E27FC236}">
-                <a16:creationId xmlns:a16="http://schemas.microsoft.com/office/drawing/2014/main" id="{6F20504C-C15B-4B85-88CA-781AD4B14DC8}"/>
-              </a:ext>
-            </a:extLst>
-          </p:cNvPr>
-          <p:cNvSpPr>
-            <a:spLocks noGrp="1"/>
-          </p:cNvSpPr>
-          <p:nvPr>
-            <p:ph type="title"/>
-          </p:nvPr>
-        </p:nvSpPr>
-        <p:spPr>
-          <a:xfrm>
-            <a:off x="568047" y="2084172"/>
-            <a:ext cx="11354714" cy="1162178"/>
-          </a:xfrm>
-        </p:spPr>
-        <p:txBody>
-          <a:bodyPr/>
-          <a:lstStyle/>
-          <a:p>
-            <a:r>
-              <a:rPr lang="en-US" dirty="0"/>
+            <a:r>
+              <a:rPr lang="en-AU" sz="4000" b="1" dirty="0"/>
+              <a:t>What's coming to C#</a:t>
+            </a:r>
+            <a:br>
+              <a:rPr lang="en-AU" sz="4000" b="1" dirty="0"/>
+            </a:br>
+            <a:r>
+              <a:rPr lang="th-TH" sz="4000" b="1" dirty="0"/>
+              <a:t>คุณสมบัติใหม่ๆ ในภาษา </a:t>
+            </a:r>
+            <a:r>
+              <a:rPr lang="en-AU" sz="4000" b="1" dirty="0"/>
               <a:t>C#</a:t>
+            </a:r>
+            <a:br>
+              <a:rPr lang="en-AU" sz="4000" b="1" dirty="0"/>
+            </a:br>
+            <a:br>
+              <a:rPr lang="en-AU" sz="4000" b="1" dirty="0"/>
+            </a:br>
+            <a:r>
+              <a:rPr lang="en-AU" sz="3600" dirty="0"/>
+              <a:t>Will Fuqua</a:t>
+            </a:r>
+            <a:r>
+              <a:rPr lang="en-AU" sz="4000" b="1" dirty="0"/>
+              <a:t> </a:t>
+            </a:r>
+            <a:r>
+              <a:rPr lang="en-US" sz="4000" dirty="0"/>
+              <a:t> </a:t>
             </a:r>
           </a:p>
         </p:txBody>
@@ -13863,7 +14203,7 @@
 </p:sld>
 </file>
 
-<file path=ppt/slides/slide16.xml><?xml version="1.0" encoding="utf-8"?>
+<file path=ppt/slides/slide14.xml><?xml version="1.0" encoding="utf-8"?>
 <p:sld xmlns:a="http://schemas.openxmlformats.org/drawingml/2006/main" xmlns:r="http://schemas.openxmlformats.org/officeDocument/2006/relationships" xmlns:p="http://schemas.openxmlformats.org/presentationml/2006/main">
   <p:cSld>
     <p:spTree>
@@ -14525,6 +14865,212 @@
 </p:sld>
 </file>
 
+<file path=ppt/slides/slide15.xml><?xml version="1.0" encoding="utf-8"?>
+<p:sld xmlns:a="http://schemas.openxmlformats.org/drawingml/2006/main" xmlns:r="http://schemas.openxmlformats.org/officeDocument/2006/relationships" xmlns:p="http://schemas.openxmlformats.org/presentationml/2006/main">
+  <p:cSld>
+    <p:spTree>
+      <p:nvGrpSpPr>
+        <p:cNvPr id="1" name=""/>
+        <p:cNvGrpSpPr/>
+        <p:nvPr/>
+      </p:nvGrpSpPr>
+      <p:grpSpPr>
+        <a:xfrm>
+          <a:off x="0" y="0"/>
+          <a:ext cx="0" cy="0"/>
+          <a:chOff x="0" y="0"/>
+          <a:chExt cx="0" cy="0"/>
+        </a:xfrm>
+      </p:grpSpPr>
+      <p:sp>
+        <p:nvSpPr>
+          <p:cNvPr id="2" name="Title 1">
+            <a:extLst>
+              <a:ext uri="{FF2B5EF4-FFF2-40B4-BE49-F238E27FC236}">
+                <a16:creationId xmlns:a16="http://schemas.microsoft.com/office/drawing/2014/main" id="{6F20504C-C15B-4B85-88CA-781AD4B14DC8}"/>
+              </a:ext>
+            </a:extLst>
+          </p:cNvPr>
+          <p:cNvSpPr>
+            <a:spLocks noGrp="1"/>
+          </p:cNvSpPr>
+          <p:nvPr>
+            <p:ph type="title"/>
+          </p:nvPr>
+        </p:nvSpPr>
+        <p:spPr>
+          <a:xfrm>
+            <a:off x="568047" y="2084172"/>
+            <a:ext cx="11354714" cy="3176191"/>
+          </a:xfrm>
+        </p:spPr>
+        <p:txBody>
+          <a:bodyPr/>
+          <a:lstStyle/>
+          <a:p>
+            <a:r>
+              <a:rPr lang="en-AU" sz="4000" b="1" dirty="0"/>
+              <a:t>Build Great Libraries using .NET Standard</a:t>
+            </a:r>
+            <a:br>
+              <a:rPr lang="en-AU" sz="4000" b="1" dirty="0"/>
+            </a:br>
+            <a:r>
+              <a:rPr lang="th-TH" sz="4000" b="1" dirty="0"/>
+              <a:t>สร้าง </a:t>
+            </a:r>
+            <a:r>
+              <a:rPr lang="en-AU" sz="4000" b="1" dirty="0"/>
+              <a:t>class library </a:t>
+            </a:r>
+            <a:r>
+              <a:rPr lang="th-TH" sz="4000" b="1" dirty="0"/>
+              <a:t>ด้วย .</a:t>
+            </a:r>
+            <a:r>
+              <a:rPr lang="en-AU" sz="4000" b="1" dirty="0"/>
+              <a:t>NET Standard</a:t>
+            </a:r>
+            <a:br>
+              <a:rPr lang="en-AU" sz="4000" b="1" dirty="0"/>
+            </a:br>
+            <a:br>
+              <a:rPr lang="en-AU" sz="4000" b="1" dirty="0"/>
+            </a:br>
+            <a:r>
+              <a:rPr lang="en-AU" sz="4000" dirty="0"/>
+              <a:t>Aaron </a:t>
+            </a:r>
+            <a:r>
+              <a:rPr lang="en-AU" sz="4000" dirty="0" err="1"/>
+              <a:t>Amm</a:t>
+            </a:r>
+            <a:r>
+              <a:rPr lang="en-AU" sz="4000" dirty="0"/>
+              <a:t> </a:t>
+            </a:r>
+            <a:r>
+              <a:rPr lang="en-AU" sz="4000" dirty="0" err="1"/>
+              <a:t>Theeranit</a:t>
+            </a:r>
+            <a:br>
+              <a:rPr lang="en-AU" sz="4000" b="1" dirty="0"/>
+            </a:br>
+            <a:endParaRPr lang="en-US" sz="4000" dirty="0"/>
+          </a:p>
+        </p:txBody>
+      </p:sp>
+    </p:spTree>
+    <p:extLst>
+      <p:ext uri="{BB962C8B-B14F-4D97-AF65-F5344CB8AC3E}">
+        <p14:creationId xmlns:p14="http://schemas.microsoft.com/office/powerpoint/2010/main" val="465402880"/>
+      </p:ext>
+    </p:extLst>
+  </p:cSld>
+  <p:clrMapOvr>
+    <a:masterClrMapping/>
+  </p:clrMapOvr>
+  <p:transition>
+    <p:fade/>
+  </p:transition>
+</p:sld>
+</file>
+
+<file path=ppt/slides/slide16.xml><?xml version="1.0" encoding="utf-8"?>
+<p:sld xmlns:a="http://schemas.openxmlformats.org/drawingml/2006/main" xmlns:r="http://schemas.openxmlformats.org/officeDocument/2006/relationships" xmlns:p="http://schemas.openxmlformats.org/presentationml/2006/main">
+  <p:cSld>
+    <p:spTree>
+      <p:nvGrpSpPr>
+        <p:cNvPr id="1" name=""/>
+        <p:cNvGrpSpPr/>
+        <p:nvPr/>
+      </p:nvGrpSpPr>
+      <p:grpSpPr>
+        <a:xfrm>
+          <a:off x="0" y="0"/>
+          <a:ext cx="0" cy="0"/>
+          <a:chOff x="0" y="0"/>
+          <a:chExt cx="0" cy="0"/>
+        </a:xfrm>
+      </p:grpSpPr>
+      <p:sp>
+        <p:nvSpPr>
+          <p:cNvPr id="2" name="Title 1">
+            <a:extLst>
+              <a:ext uri="{FF2B5EF4-FFF2-40B4-BE49-F238E27FC236}">
+                <a16:creationId xmlns:a16="http://schemas.microsoft.com/office/drawing/2014/main" id="{6F20504C-C15B-4B85-88CA-781AD4B14DC8}"/>
+              </a:ext>
+            </a:extLst>
+          </p:cNvPr>
+          <p:cNvSpPr>
+            <a:spLocks noGrp="1"/>
+          </p:cNvSpPr>
+          <p:nvPr>
+            <p:ph type="title"/>
+          </p:nvPr>
+        </p:nvSpPr>
+        <p:spPr>
+          <a:xfrm>
+            <a:off x="568047" y="2084172"/>
+            <a:ext cx="11354714" cy="3176191"/>
+          </a:xfrm>
+        </p:spPr>
+        <p:txBody>
+          <a:bodyPr/>
+          <a:lstStyle/>
+          <a:p>
+            <a:r>
+              <a:rPr lang="en-AU" sz="4000" b="1" dirty="0"/>
+              <a:t>Code at scale</a:t>
+            </a:r>
+            <a:br>
+              <a:rPr lang="en-AU" sz="4000" b="1" dirty="0"/>
+            </a:br>
+            <a:r>
+              <a:rPr lang="th-TH" sz="4000" b="1" dirty="0"/>
+              <a:t>เรียนรู้การจัดการกับ </a:t>
+            </a:r>
+            <a:r>
+              <a:rPr lang="en-AU" sz="4000" b="1" dirty="0"/>
+              <a:t>code </a:t>
+            </a:r>
+            <a:r>
+              <a:rPr lang="th-TH" sz="4000" b="1" dirty="0"/>
+              <a:t>ขนาดใหญ่</a:t>
+            </a:r>
+            <a:br>
+              <a:rPr lang="en-AU" sz="4000" b="1" dirty="0"/>
+            </a:br>
+            <a:br>
+              <a:rPr lang="en-AU" sz="4000" b="1" dirty="0"/>
+            </a:br>
+            <a:r>
+              <a:rPr lang="en-AU" sz="4000" dirty="0"/>
+              <a:t>Joel Dickson</a:t>
+            </a:r>
+            <a:br>
+              <a:rPr lang="en-AU" sz="4000" b="1" dirty="0"/>
+            </a:br>
+            <a:endParaRPr lang="en-US" sz="4000" dirty="0"/>
+          </a:p>
+        </p:txBody>
+      </p:sp>
+    </p:spTree>
+    <p:extLst>
+      <p:ext uri="{BB962C8B-B14F-4D97-AF65-F5344CB8AC3E}">
+        <p14:creationId xmlns:p14="http://schemas.microsoft.com/office/powerpoint/2010/main" val="1962611160"/>
+      </p:ext>
+    </p:extLst>
+  </p:cSld>
+  <p:clrMapOvr>
+    <a:masterClrMapping/>
+  </p:clrMapOvr>
+  <p:transition>
+    <p:fade/>
+  </p:transition>
+</p:sld>
+</file>
+
 <file path=ppt/slides/slide17.xml><?xml version="1.0" encoding="utf-8"?>
 <p:sld xmlns:a="http://schemas.openxmlformats.org/drawingml/2006/main" xmlns:r="http://schemas.openxmlformats.org/officeDocument/2006/relationships" xmlns:p="http://schemas.openxmlformats.org/presentationml/2006/main">
   <p:cSld>
@@ -14561,7 +15107,7 @@
         <p:spPr>
           <a:xfrm>
             <a:off x="568047" y="2084172"/>
-            <a:ext cx="11354714" cy="1162178"/>
+            <a:ext cx="11354714" cy="3951723"/>
           </a:xfrm>
         </p:spPr>
         <p:txBody>
@@ -14569,16 +15115,49 @@
           <a:lstStyle/>
           <a:p>
             <a:r>
-              <a:rPr lang="en-US" dirty="0"/>
-              <a:t>Mobile Development</a:t>
-            </a:r>
+              <a:rPr lang="en-AU" sz="4000" b="1" dirty="0"/>
+              <a:t>5 Azure Services Every .NET Developer Needs to Know</a:t>
+            </a:r>
+            <a:br>
+              <a:rPr lang="en-AU" sz="4000" b="1" dirty="0"/>
+            </a:br>
+            <a:r>
+              <a:rPr lang="en-AU" sz="4000" b="1" dirty="0"/>
+              <a:t>5 Azure Services </a:t>
+            </a:r>
+            <a:r>
+              <a:rPr lang="th-TH" sz="4000" b="1" dirty="0"/>
+              <a:t>ที่นักพัฒนาสาย .</a:t>
+            </a:r>
+            <a:r>
+              <a:rPr lang="en-AU" sz="4000" b="1" dirty="0"/>
+              <a:t>NET </a:t>
+            </a:r>
+            <a:r>
+              <a:rPr lang="th-TH" sz="4000" b="1" dirty="0"/>
+              <a:t>จำเป็นต้องรู้จัก</a:t>
+            </a:r>
+            <a:br>
+              <a:rPr lang="en-AU" sz="4000" b="1" dirty="0"/>
+            </a:br>
+            <a:br>
+              <a:rPr lang="en-AU" sz="4000" b="1" dirty="0"/>
+            </a:br>
+            <a:r>
+              <a:rPr lang="en-AU" sz="4000" dirty="0"/>
+              <a:t>Jose Barbosa</a:t>
+            </a:r>
+            <a:br>
+              <a:rPr lang="en-AU" sz="4000" b="1" dirty="0"/>
+            </a:br>
+            <a:endParaRPr lang="en-US" sz="4000" dirty="0"/>
           </a:p>
         </p:txBody>
       </p:sp>
     </p:spTree>
     <p:extLst>
       <p:ext uri="{BB962C8B-B14F-4D97-AF65-F5344CB8AC3E}">
-        <p14:creationId xmlns:p14="http://schemas.microsoft.com/office/powerpoint/2010/main" val="3709274642"/>
+        <p14:creationId xmlns:p14="http://schemas.microsoft.com/office/powerpoint/2010/main" val="2748095295"/>
       </p:ext>
     </p:extLst>
   </p:cSld>
@@ -14592,6 +15171,626 @@
 </file>
 
 <file path=ppt/slides/slide18.xml><?xml version="1.0" encoding="utf-8"?>
+<p:sld xmlns:a="http://schemas.openxmlformats.org/drawingml/2006/main" xmlns:r="http://schemas.openxmlformats.org/officeDocument/2006/relationships" xmlns:p="http://schemas.openxmlformats.org/presentationml/2006/main">
+  <p:cSld>
+    <p:spTree>
+      <p:nvGrpSpPr>
+        <p:cNvPr id="1" name=""/>
+        <p:cNvGrpSpPr/>
+        <p:nvPr/>
+      </p:nvGrpSpPr>
+      <p:grpSpPr>
+        <a:xfrm>
+          <a:off x="0" y="0"/>
+          <a:ext cx="0" cy="0"/>
+          <a:chOff x="0" y="0"/>
+          <a:chExt cx="0" cy="0"/>
+        </a:xfrm>
+      </p:grpSpPr>
+      <p:sp>
+        <p:nvSpPr>
+          <p:cNvPr id="2" name="Title 1">
+            <a:extLst>
+              <a:ext uri="{FF2B5EF4-FFF2-40B4-BE49-F238E27FC236}">
+                <a16:creationId xmlns:a16="http://schemas.microsoft.com/office/drawing/2014/main" id="{6F20504C-C15B-4B85-88CA-781AD4B14DC8}"/>
+              </a:ext>
+            </a:extLst>
+          </p:cNvPr>
+          <p:cNvSpPr>
+            <a:spLocks noGrp="1"/>
+          </p:cNvSpPr>
+          <p:nvPr>
+            <p:ph type="title"/>
+          </p:nvPr>
+        </p:nvSpPr>
+        <p:spPr>
+          <a:xfrm>
+            <a:off x="568047" y="2084172"/>
+            <a:ext cx="11354714" cy="3730188"/>
+          </a:xfrm>
+        </p:spPr>
+        <p:txBody>
+          <a:bodyPr/>
+          <a:lstStyle/>
+          <a:p>
+            <a:r>
+              <a:rPr lang="en-AU" sz="4000" b="1" dirty="0" err="1"/>
+              <a:t>Blazor</a:t>
+            </a:r>
+            <a:r>
+              <a:rPr lang="en-AU" sz="4000" b="1" dirty="0"/>
+              <a:t>: Modern Web development with .NET and </a:t>
+            </a:r>
+            <a:r>
+              <a:rPr lang="en-AU" sz="4000" b="1" dirty="0" err="1"/>
+              <a:t>WebAssembly</a:t>
+            </a:r>
+            <a:br>
+              <a:rPr lang="en-AU" sz="4000" b="1" dirty="0"/>
+            </a:br>
+            <a:r>
+              <a:rPr lang="th-TH" sz="4000" b="1" dirty="0"/>
+              <a:t>เรียนรู้ .</a:t>
+            </a:r>
+            <a:r>
+              <a:rPr lang="en-AU" sz="4000" b="1" dirty="0"/>
+              <a:t>NET Web Assembly </a:t>
+            </a:r>
+            <a:r>
+              <a:rPr lang="th-TH" sz="4000" b="1" dirty="0"/>
+              <a:t>ด้วย </a:t>
+            </a:r>
+            <a:r>
+              <a:rPr lang="en-AU" sz="4000" b="1" dirty="0" err="1"/>
+              <a:t>Blazor</a:t>
+            </a:r>
+            <a:r>
+              <a:rPr lang="en-AU" sz="4000" b="1" dirty="0"/>
+              <a:t> framework</a:t>
+            </a:r>
+            <a:br>
+              <a:rPr lang="en-AU" sz="4000" b="1" dirty="0"/>
+            </a:br>
+            <a:br>
+              <a:rPr lang="en-AU" sz="4000" b="1" dirty="0"/>
+            </a:br>
+            <a:r>
+              <a:rPr lang="en-AU" sz="4000" dirty="0"/>
+              <a:t>Guide </a:t>
+            </a:r>
+            <a:r>
+              <a:rPr lang="en-AU" sz="4000" dirty="0" err="1"/>
+              <a:t>Vorapat</a:t>
+            </a:r>
+            <a:br>
+              <a:rPr lang="en-AU" sz="4000" b="1" dirty="0"/>
+            </a:br>
+            <a:endParaRPr lang="en-US" sz="4000" dirty="0"/>
+          </a:p>
+        </p:txBody>
+      </p:sp>
+    </p:spTree>
+    <p:extLst>
+      <p:ext uri="{BB962C8B-B14F-4D97-AF65-F5344CB8AC3E}">
+        <p14:creationId xmlns:p14="http://schemas.microsoft.com/office/powerpoint/2010/main" val="4104710741"/>
+      </p:ext>
+    </p:extLst>
+  </p:cSld>
+  <p:clrMapOvr>
+    <a:masterClrMapping/>
+  </p:clrMapOvr>
+  <p:transition>
+    <p:fade/>
+  </p:transition>
+</p:sld>
+</file>
+
+<file path=ppt/slides/slide19.xml><?xml version="1.0" encoding="utf-8"?>
+<p:sld xmlns:a="http://schemas.openxmlformats.org/drawingml/2006/main" xmlns:r="http://schemas.openxmlformats.org/officeDocument/2006/relationships" xmlns:p="http://schemas.openxmlformats.org/presentationml/2006/main">
+  <p:cSld>
+    <p:spTree>
+      <p:nvGrpSpPr>
+        <p:cNvPr id="1" name=""/>
+        <p:cNvGrpSpPr/>
+        <p:nvPr/>
+      </p:nvGrpSpPr>
+      <p:grpSpPr>
+        <a:xfrm>
+          <a:off x="0" y="0"/>
+          <a:ext cx="0" cy="0"/>
+          <a:chOff x="0" y="0"/>
+          <a:chExt cx="0" cy="0"/>
+        </a:xfrm>
+      </p:grpSpPr>
+      <p:sp>
+        <p:nvSpPr>
+          <p:cNvPr id="2" name="Title 1">
+            <a:extLst>
+              <a:ext uri="{FF2B5EF4-FFF2-40B4-BE49-F238E27FC236}">
+                <a16:creationId xmlns:a16="http://schemas.microsoft.com/office/drawing/2014/main" id="{6F20504C-C15B-4B85-88CA-781AD4B14DC8}"/>
+              </a:ext>
+            </a:extLst>
+          </p:cNvPr>
+          <p:cNvSpPr>
+            <a:spLocks noGrp="1"/>
+          </p:cNvSpPr>
+          <p:nvPr>
+            <p:ph type="title"/>
+          </p:nvPr>
+        </p:nvSpPr>
+        <p:spPr>
+          <a:xfrm>
+            <a:off x="568047" y="2084172"/>
+            <a:ext cx="11354714" cy="3730188"/>
+          </a:xfrm>
+        </p:spPr>
+        <p:txBody>
+          <a:bodyPr/>
+          <a:lstStyle/>
+          <a:p>
+            <a:r>
+              <a:rPr lang="en-AU" sz="4000" b="1" dirty="0" err="1"/>
+              <a:t>Blazor</a:t>
+            </a:r>
+            <a:r>
+              <a:rPr lang="en-AU" sz="4000" b="1" dirty="0"/>
+              <a:t>: Modern Web development with .NET and </a:t>
+            </a:r>
+            <a:r>
+              <a:rPr lang="en-AU" sz="4000" b="1" dirty="0" err="1"/>
+              <a:t>WebAssembly</a:t>
+            </a:r>
+            <a:br>
+              <a:rPr lang="en-AU" sz="4000" b="1" dirty="0"/>
+            </a:br>
+            <a:r>
+              <a:rPr lang="th-TH" sz="4000" b="1" dirty="0"/>
+              <a:t>เรียนรู้ .</a:t>
+            </a:r>
+            <a:r>
+              <a:rPr lang="en-AU" sz="4000" b="1" dirty="0"/>
+              <a:t>NET Web Assembly </a:t>
+            </a:r>
+            <a:r>
+              <a:rPr lang="th-TH" sz="4000" b="1" dirty="0"/>
+              <a:t>ด้วย </a:t>
+            </a:r>
+            <a:r>
+              <a:rPr lang="en-AU" sz="4000" b="1" dirty="0" err="1"/>
+              <a:t>Blazor</a:t>
+            </a:r>
+            <a:r>
+              <a:rPr lang="en-AU" sz="4000" b="1" dirty="0"/>
+              <a:t> framework</a:t>
+            </a:r>
+            <a:br>
+              <a:rPr lang="en-AU" sz="4000" b="1" dirty="0"/>
+            </a:br>
+            <a:br>
+              <a:rPr lang="en-AU" sz="4000" b="1" dirty="0"/>
+            </a:br>
+            <a:r>
+              <a:rPr lang="en-AU" sz="4000" dirty="0"/>
+              <a:t>Guide </a:t>
+            </a:r>
+            <a:r>
+              <a:rPr lang="en-AU" sz="4000" dirty="0" err="1"/>
+              <a:t>Vorapat</a:t>
+            </a:r>
+            <a:br>
+              <a:rPr lang="en-AU" sz="4000" b="1" dirty="0"/>
+            </a:br>
+            <a:endParaRPr lang="en-US" sz="4000" dirty="0"/>
+          </a:p>
+        </p:txBody>
+      </p:sp>
+    </p:spTree>
+    <p:extLst>
+      <p:ext uri="{BB962C8B-B14F-4D97-AF65-F5344CB8AC3E}">
+        <p14:creationId xmlns:p14="http://schemas.microsoft.com/office/powerpoint/2010/main" val="3222193475"/>
+      </p:ext>
+    </p:extLst>
+  </p:cSld>
+  <p:clrMapOvr>
+    <a:masterClrMapping/>
+  </p:clrMapOvr>
+  <p:transition>
+    <p:fade/>
+  </p:transition>
+</p:sld>
+</file>
+
+<file path=ppt/slides/slide2.xml><?xml version="1.0" encoding="utf-8"?>
+<p:sld xmlns:a="http://schemas.openxmlformats.org/drawingml/2006/main" xmlns:r="http://schemas.openxmlformats.org/officeDocument/2006/relationships" xmlns:p="http://schemas.openxmlformats.org/presentationml/2006/main">
+  <p:cSld>
+    <p:spTree>
+      <p:nvGrpSpPr>
+        <p:cNvPr id="1" name=""/>
+        <p:cNvGrpSpPr/>
+        <p:nvPr/>
+      </p:nvGrpSpPr>
+      <p:grpSpPr>
+        <a:xfrm>
+          <a:off x="0" y="0"/>
+          <a:ext cx="0" cy="0"/>
+          <a:chOff x="0" y="0"/>
+          <a:chExt cx="0" cy="0"/>
+        </a:xfrm>
+      </p:grpSpPr>
+      <p:sp>
+        <p:nvSpPr>
+          <p:cNvPr id="2" name="Title 1">
+            <a:extLst>
+              <a:ext uri="{FF2B5EF4-FFF2-40B4-BE49-F238E27FC236}">
+                <a16:creationId xmlns:a16="http://schemas.microsoft.com/office/drawing/2014/main" id="{839C7298-752B-48BD-843F-683A22D59A7E}"/>
+              </a:ext>
+            </a:extLst>
+          </p:cNvPr>
+          <p:cNvSpPr>
+            <a:spLocks noGrp="1"/>
+          </p:cNvSpPr>
+          <p:nvPr>
+            <p:ph type="title"/>
+          </p:nvPr>
+        </p:nvSpPr>
+        <p:spPr/>
+        <p:txBody>
+          <a:bodyPr/>
+          <a:lstStyle/>
+          <a:p>
+            <a:r>
+              <a:rPr lang="en-US"/>
+              <a:t>.NET Conf 2018 Keynote</a:t>
+            </a:r>
+          </a:p>
+        </p:txBody>
+      </p:sp>
+      <p:sp>
+        <p:nvSpPr>
+          <p:cNvPr id="3" name="Text Placeholder 2">
+            <a:extLst>
+              <a:ext uri="{FF2B5EF4-FFF2-40B4-BE49-F238E27FC236}">
+                <a16:creationId xmlns:a16="http://schemas.microsoft.com/office/drawing/2014/main" id="{2BA8E374-5793-40F2-A7B7-2D8AB053A278}"/>
+              </a:ext>
+            </a:extLst>
+          </p:cNvPr>
+          <p:cNvSpPr>
+            <a:spLocks noGrp="1"/>
+          </p:cNvSpPr>
+          <p:nvPr>
+            <p:ph type="body" sz="quarter" idx="12"/>
+          </p:nvPr>
+        </p:nvSpPr>
+        <p:spPr/>
+        <p:txBody>
+          <a:bodyPr/>
+          <a:lstStyle/>
+          <a:p>
+            <a:r>
+              <a:rPr lang="en-US" dirty="0"/>
+              <a:t>Jose Barbosa</a:t>
+            </a:r>
+          </a:p>
+          <a:p>
+            <a:r>
+              <a:rPr lang="en-US" dirty="0"/>
+              <a:t>Aaron </a:t>
+            </a:r>
+            <a:r>
+              <a:rPr lang="en-US" dirty="0" err="1"/>
+              <a:t>Amm</a:t>
+            </a:r>
+            <a:r>
+              <a:rPr lang="en-US" dirty="0"/>
+              <a:t> </a:t>
+            </a:r>
+            <a:r>
+              <a:rPr lang="en-US" dirty="0" err="1"/>
+              <a:t>Theeranit</a:t>
+            </a:r>
+            <a:endParaRPr lang="en-US" dirty="0"/>
+          </a:p>
+        </p:txBody>
+      </p:sp>
+    </p:spTree>
+    <p:extLst>
+      <p:ext uri="{BB962C8B-B14F-4D97-AF65-F5344CB8AC3E}">
+        <p14:creationId xmlns:p14="http://schemas.microsoft.com/office/powerpoint/2010/main" val="477504486"/>
+      </p:ext>
+    </p:extLst>
+  </p:cSld>
+  <p:clrMapOvr>
+    <a:masterClrMapping/>
+  </p:clrMapOvr>
+  <mc:AlternateContent xmlns:mc="http://schemas.openxmlformats.org/markup-compatibility/2006" xmlns:p14="http://schemas.microsoft.com/office/powerpoint/2010/main">
+    <mc:Choice Requires="p14">
+      <p:transition spd="med" p14:dur="700">
+        <p:fade/>
+      </p:transition>
+    </mc:Choice>
+    <mc:Fallback xmlns="">
+      <p:transition spd="med">
+        <p:fade/>
+      </p:transition>
+    </mc:Fallback>
+  </mc:AlternateContent>
+</p:sld>
+</file>
+
+<file path=ppt/slides/slide20.xml><?xml version="1.0" encoding="utf-8"?>
+<p:sld xmlns:a="http://schemas.openxmlformats.org/drawingml/2006/main" xmlns:r="http://schemas.openxmlformats.org/officeDocument/2006/relationships" xmlns:p="http://schemas.openxmlformats.org/presentationml/2006/main">
+  <p:cSld>
+    <p:spTree>
+      <p:nvGrpSpPr>
+        <p:cNvPr id="1" name=""/>
+        <p:cNvGrpSpPr/>
+        <p:nvPr/>
+      </p:nvGrpSpPr>
+      <p:grpSpPr>
+        <a:xfrm>
+          <a:off x="0" y="0"/>
+          <a:ext cx="0" cy="0"/>
+          <a:chOff x="0" y="0"/>
+          <a:chExt cx="0" cy="0"/>
+        </a:xfrm>
+      </p:grpSpPr>
+      <p:sp>
+        <p:nvSpPr>
+          <p:cNvPr id="3" name="Title 2">
+            <a:extLst>
+              <a:ext uri="{FF2B5EF4-FFF2-40B4-BE49-F238E27FC236}">
+                <a16:creationId xmlns:a16="http://schemas.microsoft.com/office/drawing/2014/main" id="{99F46E80-8A3A-4BEC-9584-11F945CD729E}"/>
+              </a:ext>
+            </a:extLst>
+          </p:cNvPr>
+          <p:cNvSpPr>
+            <a:spLocks noGrp="1"/>
+          </p:cNvSpPr>
+          <p:nvPr>
+            <p:ph type="title"/>
+          </p:nvPr>
+        </p:nvSpPr>
+        <p:spPr/>
+        <p:txBody>
+          <a:bodyPr/>
+          <a:lstStyle/>
+          <a:p>
+            <a:r>
+              <a:rPr lang="en-US"/>
+              <a:t>Experimental </a:t>
+            </a:r>
+            <a:r>
+              <a:rPr lang="en-US" err="1"/>
+              <a:t>Blazor</a:t>
+            </a:r>
+            <a:r>
+              <a:rPr lang="en-US"/>
+              <a:t>: .NET in the Browser</a:t>
+            </a:r>
+          </a:p>
+        </p:txBody>
+      </p:sp>
+      <p:sp>
+        <p:nvSpPr>
+          <p:cNvPr id="2" name="Text Placeholder 1">
+            <a:extLst>
+              <a:ext uri="{FF2B5EF4-FFF2-40B4-BE49-F238E27FC236}">
+                <a16:creationId xmlns:a16="http://schemas.microsoft.com/office/drawing/2014/main" id="{9D248784-2C8E-44A2-899F-ED054B8CB822}"/>
+              </a:ext>
+            </a:extLst>
+          </p:cNvPr>
+          <p:cNvSpPr>
+            <a:spLocks noGrp="1"/>
+          </p:cNvSpPr>
+          <p:nvPr>
+            <p:ph type="body" sz="quarter" idx="10"/>
+          </p:nvPr>
+        </p:nvSpPr>
+        <p:spPr>
+          <a:xfrm>
+            <a:off x="269239" y="1189177"/>
+            <a:ext cx="11653523" cy="4339650"/>
+          </a:xfrm>
+        </p:spPr>
+        <p:txBody>
+          <a:bodyPr/>
+          <a:lstStyle/>
+          <a:p>
+            <a:pPr fontAlgn="base"/>
+            <a:r>
+              <a:rPr lang="en-US" sz="3600"/>
+              <a:t>Build client-side Web UI in .NET</a:t>
+            </a:r>
+          </a:p>
+          <a:p>
+            <a:pPr lvl="1" fontAlgn="base"/>
+            <a:r>
+              <a:rPr lang="en-US" sz="2400"/>
+              <a:t>You don’t need to know AngularJS, React, Vue, </a:t>
+            </a:r>
+            <a:r>
+              <a:rPr lang="en-US" sz="2400" err="1"/>
+              <a:t>etc</a:t>
+            </a:r>
+            <a:endParaRPr lang="en-US" sz="2400"/>
+          </a:p>
+          <a:p>
+            <a:pPr lvl="1" fontAlgn="base"/>
+            <a:r>
+              <a:rPr lang="en-US" sz="2400"/>
+              <a:t>Take advantage of stability and consistency of .NET</a:t>
+            </a:r>
+          </a:p>
+          <a:p>
+            <a:pPr fontAlgn="base"/>
+            <a:r>
+              <a:rPr lang="en-US" sz="3600"/>
+              <a:t>Runs in all browsers</a:t>
+            </a:r>
+          </a:p>
+          <a:p>
+            <a:pPr lvl="1" fontAlgn="base"/>
+            <a:r>
+              <a:rPr lang="en-US" sz="2400"/>
+              <a:t>Native performance</a:t>
+            </a:r>
+          </a:p>
+          <a:p>
+            <a:pPr lvl="1" fontAlgn="base"/>
+            <a:r>
+              <a:rPr lang="en-US" sz="2400"/>
+              <a:t>Strongly typed on client and server</a:t>
+            </a:r>
+          </a:p>
+          <a:p>
+            <a:pPr lvl="1" fontAlgn="base"/>
+            <a:r>
+              <a:rPr lang="en-US" sz="2400"/>
+              <a:t>Requires no plugin or code </a:t>
+            </a:r>
+            <a:r>
+              <a:rPr lang="en-US" sz="2400" err="1"/>
+              <a:t>transpilation</a:t>
+            </a:r>
+            <a:endParaRPr lang="en-US" sz="2400"/>
+          </a:p>
+          <a:p>
+            <a:pPr lvl="1" fontAlgn="base"/>
+            <a:r>
+              <a:rPr lang="en-US" sz="2400"/>
+              <a:t>Share C# code with the client and the server</a:t>
+            </a:r>
+          </a:p>
+          <a:p>
+            <a:pPr fontAlgn="base"/>
+            <a:endParaRPr lang="en-US" sz="3600"/>
+          </a:p>
+        </p:txBody>
+      </p:sp>
+    </p:spTree>
+    <p:extLst>
+      <p:ext uri="{BB962C8B-B14F-4D97-AF65-F5344CB8AC3E}">
+        <p14:creationId xmlns:p14="http://schemas.microsoft.com/office/powerpoint/2010/main" val="3167810919"/>
+      </p:ext>
+    </p:extLst>
+  </p:cSld>
+  <p:clrMapOvr>
+    <a:masterClrMapping/>
+  </p:clrMapOvr>
+  <p:transition>
+    <p:fade/>
+  </p:transition>
+</p:sld>
+</file>
+
+<file path=ppt/slides/slide21.xml><?xml version="1.0" encoding="utf-8"?>
+<p:sld xmlns:a="http://schemas.openxmlformats.org/drawingml/2006/main" xmlns:r="http://schemas.openxmlformats.org/officeDocument/2006/relationships" xmlns:p="http://schemas.openxmlformats.org/presentationml/2006/main">
+  <p:cSld>
+    <p:spTree>
+      <p:nvGrpSpPr>
+        <p:cNvPr id="1" name=""/>
+        <p:cNvGrpSpPr/>
+        <p:nvPr/>
+      </p:nvGrpSpPr>
+      <p:grpSpPr>
+        <a:xfrm>
+          <a:off x="0" y="0"/>
+          <a:ext cx="0" cy="0"/>
+          <a:chOff x="0" y="0"/>
+          <a:chExt cx="0" cy="0"/>
+        </a:xfrm>
+      </p:grpSpPr>
+      <p:sp>
+        <p:nvSpPr>
+          <p:cNvPr id="2" name="Title 1">
+            <a:extLst>
+              <a:ext uri="{FF2B5EF4-FFF2-40B4-BE49-F238E27FC236}">
+                <a16:creationId xmlns:a16="http://schemas.microsoft.com/office/drawing/2014/main" id="{6F20504C-C15B-4B85-88CA-781AD4B14DC8}"/>
+              </a:ext>
+            </a:extLst>
+          </p:cNvPr>
+          <p:cNvSpPr>
+            <a:spLocks noGrp="1"/>
+          </p:cNvSpPr>
+          <p:nvPr>
+            <p:ph type="title"/>
+          </p:nvPr>
+        </p:nvSpPr>
+        <p:spPr>
+          <a:xfrm>
+            <a:off x="568047" y="2084172"/>
+            <a:ext cx="11354714" cy="3951723"/>
+          </a:xfrm>
+        </p:spPr>
+        <p:txBody>
+          <a:bodyPr/>
+          <a:lstStyle/>
+          <a:p>
+            <a:r>
+              <a:rPr lang="en-AU" sz="4000" b="1" dirty="0"/>
+              <a:t>Complete Awesomeness for Mobile .NET Developers</a:t>
+            </a:r>
+            <a:br>
+              <a:rPr lang="en-AU" sz="4000" b="1" dirty="0"/>
+            </a:br>
+            <a:r>
+              <a:rPr lang="th-TH" sz="4000" b="1" dirty="0"/>
+              <a:t>เรียนรู้เครื่องมือต่างๆ เพื่อพัฒนา </a:t>
+            </a:r>
+            <a:r>
+              <a:rPr lang="en-AU" sz="4000" b="1" dirty="0"/>
+              <a:t>mobile application </a:t>
+            </a:r>
+            <a:r>
+              <a:rPr lang="th-TH" sz="4000" b="1" dirty="0"/>
+              <a:t>ด้วย .</a:t>
+            </a:r>
+            <a:r>
+              <a:rPr lang="en-AU" sz="4000" b="1" dirty="0"/>
+              <a:t>NET</a:t>
+            </a:r>
+            <a:br>
+              <a:rPr lang="en-AU" sz="4000" b="1" dirty="0"/>
+            </a:br>
+            <a:br>
+              <a:rPr lang="en-AU" sz="4000" b="1" dirty="0"/>
+            </a:br>
+            <a:r>
+              <a:rPr lang="en-AU" sz="4000" dirty="0" err="1"/>
+              <a:t>Teerasej</a:t>
+            </a:r>
+            <a:r>
+              <a:rPr lang="en-AU" sz="4000" dirty="0"/>
+              <a:t> </a:t>
+            </a:r>
+            <a:r>
+              <a:rPr lang="en-AU" sz="4000" dirty="0" err="1"/>
+              <a:t>Jiraphatchandej</a:t>
+            </a:r>
+            <a:br>
+              <a:rPr lang="en-AU" sz="4000" b="1" dirty="0"/>
+            </a:br>
+            <a:endParaRPr lang="en-US" sz="4000" dirty="0"/>
+          </a:p>
+        </p:txBody>
+      </p:sp>
+    </p:spTree>
+    <p:extLst>
+      <p:ext uri="{BB962C8B-B14F-4D97-AF65-F5344CB8AC3E}">
+        <p14:creationId xmlns:p14="http://schemas.microsoft.com/office/powerpoint/2010/main" val="688148929"/>
+      </p:ext>
+    </p:extLst>
+  </p:cSld>
+  <p:clrMapOvr>
+    <a:masterClrMapping/>
+  </p:clrMapOvr>
+  <p:transition>
+    <p:fade/>
+  </p:transition>
+</p:sld>
+</file>
+
+<file path=ppt/slides/slide22.xml><?xml version="1.0" encoding="utf-8"?>
 <p:sld xmlns:a="http://schemas.openxmlformats.org/drawingml/2006/main" xmlns:r="http://schemas.openxmlformats.org/officeDocument/2006/relationships" xmlns:p="http://schemas.openxmlformats.org/presentationml/2006/main">
   <p:cSld>
     <p:spTree>
@@ -16576,49 +17775,7 @@
 </p:sld>
 </file>
 
-<file path=ppt/slides/slide19.xml><?xml version="1.0" encoding="utf-8"?>
-<p:sld xmlns:a="http://schemas.openxmlformats.org/drawingml/2006/main" xmlns:r="http://schemas.openxmlformats.org/officeDocument/2006/relationships" xmlns:p="http://schemas.openxmlformats.org/presentationml/2006/main">
-  <p:cSld>
-    <p:spTree>
-      <p:nvGrpSpPr>
-        <p:cNvPr id="1" name=""/>
-        <p:cNvGrpSpPr/>
-        <p:nvPr/>
-      </p:nvGrpSpPr>
-      <p:grpSpPr>
-        <a:xfrm>
-          <a:off x="0" y="0"/>
-          <a:ext cx="0" cy="0"/>
-          <a:chOff x="0" y="0"/>
-          <a:chExt cx="0" cy="0"/>
-        </a:xfrm>
-      </p:grpSpPr>
-    </p:spTree>
-    <p:extLst>
-      <p:ext uri="{BB962C8B-B14F-4D97-AF65-F5344CB8AC3E}">
-        <p14:creationId xmlns:p14="http://schemas.microsoft.com/office/powerpoint/2010/main" val="971654006"/>
-      </p:ext>
-    </p:extLst>
-  </p:cSld>
-  <p:clrMapOvr>
-    <a:masterClrMapping/>
-  </p:clrMapOvr>
-  <mc:AlternateContent xmlns:mc="http://schemas.openxmlformats.org/markup-compatibility/2006" xmlns:p14="http://schemas.microsoft.com/office/powerpoint/2010/main">
-    <mc:Choice Requires="p14">
-      <p:transition spd="med" p14:dur="700">
-        <p:fade/>
-      </p:transition>
-    </mc:Choice>
-    <mc:Fallback xmlns="">
-      <p:transition spd="med">
-        <p:fade/>
-      </p:transition>
-    </mc:Fallback>
-  </mc:AlternateContent>
-</p:sld>
-</file>
-
-<file path=ppt/slides/slide2.xml><?xml version="1.0" encoding="utf-8"?>
+<file path=ppt/slides/slide23.xml><?xml version="1.0" encoding="utf-8"?>
 <p:sld xmlns:a="http://schemas.openxmlformats.org/drawingml/2006/main" xmlns:r="http://schemas.openxmlformats.org/officeDocument/2006/relationships" xmlns:p="http://schemas.openxmlformats.org/presentationml/2006/main">
   <p:cSld>
     <p:spTree>
@@ -16640,7 +17797,212 @@
           <p:cNvPr id="2" name="Title 1">
             <a:extLst>
               <a:ext uri="{FF2B5EF4-FFF2-40B4-BE49-F238E27FC236}">
-                <a16:creationId xmlns:a16="http://schemas.microsoft.com/office/drawing/2014/main" id="{839C7298-752B-48BD-843F-683A22D59A7E}"/>
+                <a16:creationId xmlns:a16="http://schemas.microsoft.com/office/drawing/2014/main" id="{6F20504C-C15B-4B85-88CA-781AD4B14DC8}"/>
+              </a:ext>
+            </a:extLst>
+          </p:cNvPr>
+          <p:cNvSpPr>
+            <a:spLocks noGrp="1"/>
+          </p:cNvSpPr>
+          <p:nvPr>
+            <p:ph type="title"/>
+          </p:nvPr>
+        </p:nvSpPr>
+        <p:spPr>
+          <a:xfrm>
+            <a:off x="568047" y="2084172"/>
+            <a:ext cx="11354714" cy="4284186"/>
+          </a:xfrm>
+        </p:spPr>
+        <p:txBody>
+          <a:bodyPr/>
+          <a:lstStyle/>
+          <a:p>
+            <a:r>
+              <a:rPr lang="en-AU" sz="4000" b="1" dirty="0"/>
+              <a:t>What's new of ASP.NET Core and Entity Framework Core 2.2</a:t>
+            </a:r>
+            <a:br>
+              <a:rPr lang="en-AU" sz="4000" b="1" dirty="0"/>
+            </a:br>
+            <a:r>
+              <a:rPr lang="th-TH" sz="4000" b="1" dirty="0"/>
+              <a:t>อับเดตฟีเจอร์ล่าสุดของ </a:t>
+            </a:r>
+            <a:r>
+              <a:rPr lang="en-AU" sz="4000" b="1" dirty="0"/>
+              <a:t>ASP.NET Core </a:t>
+            </a:r>
+            <a:r>
+              <a:rPr lang="th-TH" sz="4000" b="1" dirty="0"/>
+              <a:t>และ </a:t>
+            </a:r>
+            <a:r>
+              <a:rPr lang="en-AU" sz="4000" b="1" dirty="0"/>
+              <a:t>Entity Framework Core 2.2</a:t>
+            </a:r>
+            <a:br>
+              <a:rPr lang="en-AU" sz="4000" b="1" dirty="0"/>
+            </a:br>
+            <a:br>
+              <a:rPr lang="en-AU" sz="4000" b="1" dirty="0"/>
+            </a:br>
+            <a:r>
+              <a:rPr lang="en-AU" sz="4000" dirty="0"/>
+              <a:t>Suthep </a:t>
+            </a:r>
+            <a:r>
+              <a:rPr lang="en-AU" sz="4000" dirty="0" err="1"/>
+              <a:t>Sangvirotjanaphat</a:t>
+            </a:r>
+            <a:br>
+              <a:rPr lang="en-AU" sz="4000" b="1" dirty="0"/>
+            </a:br>
+            <a:endParaRPr lang="en-US" sz="4000" dirty="0"/>
+          </a:p>
+        </p:txBody>
+      </p:sp>
+    </p:spTree>
+    <p:extLst>
+      <p:ext uri="{BB962C8B-B14F-4D97-AF65-F5344CB8AC3E}">
+        <p14:creationId xmlns:p14="http://schemas.microsoft.com/office/powerpoint/2010/main" val="1194894758"/>
+      </p:ext>
+    </p:extLst>
+  </p:cSld>
+  <p:clrMapOvr>
+    <a:masterClrMapping/>
+  </p:clrMapOvr>
+  <p:transition>
+    <p:fade/>
+  </p:transition>
+</p:sld>
+</file>
+
+<file path=ppt/slides/slide24.xml><?xml version="1.0" encoding="utf-8"?>
+<p:sld xmlns:a="http://schemas.openxmlformats.org/drawingml/2006/main" xmlns:r="http://schemas.openxmlformats.org/officeDocument/2006/relationships" xmlns:p="http://schemas.openxmlformats.org/presentationml/2006/main">
+  <p:cSld>
+    <p:spTree>
+      <p:nvGrpSpPr>
+        <p:cNvPr id="1" name=""/>
+        <p:cNvGrpSpPr/>
+        <p:nvPr/>
+      </p:nvGrpSpPr>
+      <p:grpSpPr>
+        <a:xfrm>
+          <a:off x="0" y="0"/>
+          <a:ext cx="0" cy="0"/>
+          <a:chOff x="0" y="0"/>
+          <a:chExt cx="0" cy="0"/>
+        </a:xfrm>
+      </p:grpSpPr>
+      <p:sp>
+        <p:nvSpPr>
+          <p:cNvPr id="2" name="Title 1">
+            <a:extLst>
+              <a:ext uri="{FF2B5EF4-FFF2-40B4-BE49-F238E27FC236}">
+                <a16:creationId xmlns:a16="http://schemas.microsoft.com/office/drawing/2014/main" id="{6F20504C-C15B-4B85-88CA-781AD4B14DC8}"/>
+              </a:ext>
+            </a:extLst>
+          </p:cNvPr>
+          <p:cNvSpPr>
+            <a:spLocks noGrp="1"/>
+          </p:cNvSpPr>
+          <p:nvPr>
+            <p:ph type="title"/>
+          </p:nvPr>
+        </p:nvSpPr>
+        <p:spPr>
+          <a:xfrm>
+            <a:off x="528858" y="677606"/>
+            <a:ext cx="11354714" cy="4882490"/>
+          </a:xfrm>
+        </p:spPr>
+        <p:txBody>
+          <a:bodyPr/>
+          <a:lstStyle/>
+          <a:p>
+            <a:r>
+              <a:rPr lang="en-AU" sz="4000" b="1" dirty="0"/>
+              <a:t>Coffee Break + Lunch</a:t>
+            </a:r>
+            <a:br>
+              <a:rPr lang="en-AU" sz="4000" b="1" dirty="0"/>
+            </a:br>
+            <a:br>
+              <a:rPr lang="en-AU" sz="4000" b="1" dirty="0"/>
+            </a:br>
+            <a:r>
+              <a:rPr lang="th-TH" sz="3600" b="1" dirty="0"/>
+              <a:t>พักทานกาแฟและของว่าง พบปะพูดคุย</a:t>
+            </a:r>
+            <a:br>
+              <a:rPr lang="th-TH" sz="3600" b="1" dirty="0"/>
+            </a:br>
+            <a:r>
+              <a:rPr lang="en-AU" sz="3600" b="1" dirty="0"/>
+              <a:t>We will provide the coffee box for FREE thanks for our sponsors.</a:t>
+            </a:r>
+            <a:br>
+              <a:rPr lang="en-AU" sz="3600" b="1" dirty="0"/>
+            </a:br>
+            <a:br>
+              <a:rPr lang="en-AU" sz="3600" b="1" dirty="0"/>
+            </a:br>
+            <a:r>
+              <a:rPr lang="th-TH" sz="3600" b="1" dirty="0"/>
+              <a:t>เรามีกาแฟและขนมฟรีให้กับผู้เข้าร่วมงานทุกท่าน สนับสนุนโดย </a:t>
+            </a:r>
+            <a:r>
+              <a:rPr lang="en-AU" sz="3600" b="1" dirty="0"/>
+              <a:t>sponsors </a:t>
+            </a:r>
+            <a:r>
+              <a:rPr lang="th-TH" sz="3600" b="1" dirty="0"/>
+              <a:t>ใจดีของเรา</a:t>
+            </a:r>
+            <a:endParaRPr lang="en-US" sz="3600" dirty="0"/>
+          </a:p>
+        </p:txBody>
+      </p:sp>
+    </p:spTree>
+    <p:extLst>
+      <p:ext uri="{BB962C8B-B14F-4D97-AF65-F5344CB8AC3E}">
+        <p14:creationId xmlns:p14="http://schemas.microsoft.com/office/powerpoint/2010/main" val="1360792125"/>
+      </p:ext>
+    </p:extLst>
+  </p:cSld>
+  <p:clrMapOvr>
+    <a:masterClrMapping/>
+  </p:clrMapOvr>
+  <p:transition>
+    <p:fade/>
+  </p:transition>
+</p:sld>
+</file>
+
+<file path=ppt/slides/slide25.xml><?xml version="1.0" encoding="utf-8"?>
+<p:sld xmlns:a="http://schemas.openxmlformats.org/drawingml/2006/main" xmlns:r="http://schemas.openxmlformats.org/officeDocument/2006/relationships" xmlns:p="http://schemas.openxmlformats.org/presentationml/2006/main">
+  <p:cSld>
+    <p:spTree>
+      <p:nvGrpSpPr>
+        <p:cNvPr id="1" name=""/>
+        <p:cNvGrpSpPr/>
+        <p:nvPr/>
+      </p:nvGrpSpPr>
+      <p:grpSpPr>
+        <a:xfrm>
+          <a:off x="0" y="0"/>
+          <a:ext cx="0" cy="0"/>
+          <a:chOff x="0" y="0"/>
+          <a:chExt cx="0" cy="0"/>
+        </a:xfrm>
+      </p:grpSpPr>
+      <p:sp>
+        <p:nvSpPr>
+          <p:cNvPr id="2" name="Title 1">
+            <a:extLst>
+              <a:ext uri="{FF2B5EF4-FFF2-40B4-BE49-F238E27FC236}">
+                <a16:creationId xmlns:a16="http://schemas.microsoft.com/office/drawing/2014/main" id="{A61F29C9-5670-4639-B6BC-056182AC4F49}"/>
               </a:ext>
             </a:extLst>
           </p:cNvPr>
@@ -16656,64 +18018,83 @@
           <a:bodyPr/>
           <a:lstStyle/>
           <a:p>
-            <a:r>
-              <a:rPr lang="en-US"/>
-              <a:t>.NET Conf 2018 Keynote</a:t>
-            </a:r>
+            <a:endParaRPr lang="en-AU"/>
           </a:p>
         </p:txBody>
       </p:sp>
-      <p:sp>
-        <p:nvSpPr>
-          <p:cNvPr id="3" name="Text Placeholder 2">
+      <p:pic>
+        <p:nvPicPr>
+          <p:cNvPr id="4" name="Picture 3">
             <a:extLst>
               <a:ext uri="{FF2B5EF4-FFF2-40B4-BE49-F238E27FC236}">
-                <a16:creationId xmlns:a16="http://schemas.microsoft.com/office/drawing/2014/main" id="{2BA8E374-5793-40F2-A7B7-2D8AB053A278}"/>
+                <a16:creationId xmlns:a16="http://schemas.microsoft.com/office/drawing/2014/main" id="{4D63CE2D-AD7A-4D9D-9AFB-809B90482742}"/>
               </a:ext>
             </a:extLst>
           </p:cNvPr>
-          <p:cNvSpPr>
-            <a:spLocks noGrp="1"/>
-          </p:cNvSpPr>
-          <p:nvPr>
-            <p:ph type="body" sz="quarter" idx="12"/>
-          </p:nvPr>
-        </p:nvSpPr>
-        <p:spPr/>
-        <p:txBody>
-          <a:bodyPr/>
-          <a:lstStyle/>
-          <a:p>
-            <a:r>
-              <a:rPr lang="en-US" dirty="0"/>
-              <a:t>Jose Barbosa</a:t>
-            </a:r>
-          </a:p>
-          <a:p>
-            <a:r>
-              <a:rPr lang="en-US" dirty="0"/>
-              <a:t>Aaron </a:t>
-            </a:r>
-            <a:r>
-              <a:rPr lang="en-US" dirty="0" err="1"/>
-              <a:t>Amm</a:t>
-            </a:r>
-            <a:r>
-              <a:rPr lang="en-US" dirty="0"/>
-              <a:t> </a:t>
-            </a:r>
-            <a:r>
-              <a:rPr lang="en-US" dirty="0" err="1"/>
-              <a:t>Theeranit</a:t>
-            </a:r>
-            <a:endParaRPr lang="en-US" dirty="0"/>
-          </a:p>
-        </p:txBody>
-      </p:sp>
+          <p:cNvPicPr>
+            <a:picLocks noChangeAspect="1"/>
+          </p:cNvPicPr>
+          <p:nvPr/>
+        </p:nvPicPr>
+        <p:blipFill>
+          <a:blip r:embed="rId2">
+            <a:extLst>
+              <a:ext uri="{28A0092B-C50C-407E-A947-70E740481C1C}">
+                <a14:useLocalDpi xmlns:a14="http://schemas.microsoft.com/office/drawing/2010/main" val="0"/>
+              </a:ext>
+            </a:extLst>
+          </a:blip>
+          <a:stretch>
+            <a:fillRect/>
+          </a:stretch>
+        </p:blipFill>
+        <p:spPr>
+          <a:xfrm>
+            <a:off x="3030583" y="-8887851"/>
+            <a:ext cx="5345015" cy="16033235"/>
+          </a:xfrm>
+          <a:prstGeom prst="rect">
+            <a:avLst/>
+          </a:prstGeom>
+        </p:spPr>
+      </p:pic>
     </p:spTree>
     <p:extLst>
       <p:ext uri="{BB962C8B-B14F-4D97-AF65-F5344CB8AC3E}">
-        <p14:creationId xmlns:p14="http://schemas.microsoft.com/office/powerpoint/2010/main" val="477504486"/>
+        <p14:creationId xmlns:p14="http://schemas.microsoft.com/office/powerpoint/2010/main" val="3720926751"/>
+      </p:ext>
+    </p:extLst>
+  </p:cSld>
+  <p:clrMapOvr>
+    <a:masterClrMapping/>
+  </p:clrMapOvr>
+  <p:transition>
+    <p:fade/>
+  </p:transition>
+</p:sld>
+</file>
+
+<file path=ppt/slides/slide26.xml><?xml version="1.0" encoding="utf-8"?>
+<p:sld xmlns:a="http://schemas.openxmlformats.org/drawingml/2006/main" xmlns:r="http://schemas.openxmlformats.org/officeDocument/2006/relationships" xmlns:p="http://schemas.openxmlformats.org/presentationml/2006/main">
+  <p:cSld>
+    <p:spTree>
+      <p:nvGrpSpPr>
+        <p:cNvPr id="1" name=""/>
+        <p:cNvGrpSpPr/>
+        <p:nvPr/>
+      </p:nvGrpSpPr>
+      <p:grpSpPr>
+        <a:xfrm>
+          <a:off x="0" y="0"/>
+          <a:ext cx="0" cy="0"/>
+          <a:chOff x="0" y="0"/>
+          <a:chExt cx="0" cy="0"/>
+        </a:xfrm>
+      </p:grpSpPr>
+    </p:spTree>
+    <p:extLst>
+      <p:ext uri="{BB962C8B-B14F-4D97-AF65-F5344CB8AC3E}">
+        <p14:creationId xmlns:p14="http://schemas.microsoft.com/office/powerpoint/2010/main" val="971654006"/>
       </p:ext>
     </p:extLst>
   </p:cSld>
@@ -23467,6 +24848,24 @@
 </file>
 
 <file path=customXml/item1.xml><?xml version="1.0" encoding="utf-8"?>
+<p:properties xmlns:p="http://schemas.microsoft.com/office/2006/metadata/properties" xmlns:xsi="http://www.w3.org/2001/XMLSchema-instance" xmlns:pc="http://schemas.microsoft.com/office/infopath/2007/PartnerControls">
+  <documentManagement>
+    <_ip_UnifiedCompliancePolicyProperties xmlns="http://schemas.microsoft.com/sharepoint/v3" xsi:nil="true"/>
+    <_ip_UnifiedCompliancePolicyUIAction xmlns="http://schemas.microsoft.com/sharepoint/v3" xsi:nil="true"/>
+    <LastSharedByUser xmlns="11245976-3b4d-4794-a754-317688483df2">jogallow@microsoft.com</LastSharedByUser>
+    <SharedWithUsers xmlns="11245976-3b4d-4794-a754-317688483df2">
+      <UserInfo>
+        <DisplayName>Martin Woodward</DisplayName>
+        <AccountId>67</AccountId>
+        <AccountType/>
+      </UserInfo>
+    </SharedWithUsers>
+    <LastSharedByTime xmlns="11245976-3b4d-4794-a754-317688483df2">2018-03-16T04:12:59+00:00</LastSharedByTime>
+  </documentManagement>
+</p:properties>
+</file>
+
+<file path=customXml/item2.xml><?xml version="1.0" encoding="utf-8"?>
 <ct:contentTypeSchema xmlns:ct="http://schemas.microsoft.com/office/2006/metadata/contentType" xmlns:ma="http://schemas.microsoft.com/office/2006/metadata/properties/metaAttributes" ct:_="" ma:_="" ma:contentTypeName="Document" ma:contentTypeID="0x01010022F88B0CCF1BBA489747F146E6B5E06D" ma:contentTypeVersion="11" ma:contentTypeDescription="Create a new document." ma:contentTypeScope="" ma:versionID="4679f38185fefde8b23806f702b522cc">
   <xsd:schema xmlns:xsd="http://www.w3.org/2001/XMLSchema" xmlns:xs="http://www.w3.org/2001/XMLSchema" xmlns:p="http://schemas.microsoft.com/office/2006/metadata/properties" xmlns:ns1="http://schemas.microsoft.com/sharepoint/v3" xmlns:ns2="569b343d-e775-480b-9b2b-6a6986deb9b0" xmlns:ns3="11245976-3b4d-4794-a754-317688483df2" targetNamespace="http://schemas.microsoft.com/office/2006/metadata/properties" ma:root="true" ma:fieldsID="366371b317520ec9a5ad3c1303c823ef" ns1:_="" ns2:_="" ns3:_="">
     <xsd:import namespace="http://schemas.microsoft.com/sharepoint/v3"/>
@@ -23680,24 +25079,6 @@
 </ct:contentTypeSchema>
 </file>
 
-<file path=customXml/item2.xml><?xml version="1.0" encoding="utf-8"?>
-<p:properties xmlns:p="http://schemas.microsoft.com/office/2006/metadata/properties" xmlns:xsi="http://www.w3.org/2001/XMLSchema-instance" xmlns:pc="http://schemas.microsoft.com/office/infopath/2007/PartnerControls">
-  <documentManagement>
-    <_ip_UnifiedCompliancePolicyProperties xmlns="http://schemas.microsoft.com/sharepoint/v3" xsi:nil="true"/>
-    <_ip_UnifiedCompliancePolicyUIAction xmlns="http://schemas.microsoft.com/sharepoint/v3" xsi:nil="true"/>
-    <LastSharedByUser xmlns="11245976-3b4d-4794-a754-317688483df2">jogallow@microsoft.com</LastSharedByUser>
-    <SharedWithUsers xmlns="11245976-3b4d-4794-a754-317688483df2">
-      <UserInfo>
-        <DisplayName>Martin Woodward</DisplayName>
-        <AccountId>67</AccountId>
-        <AccountType/>
-      </UserInfo>
-    </SharedWithUsers>
-    <LastSharedByTime xmlns="11245976-3b4d-4794-a754-317688483df2">2018-03-16T04:12:59+00:00</LastSharedByTime>
-  </documentManagement>
-</p:properties>
-</file>
-
 <file path=customXml/item3.xml><?xml version="1.0" encoding="utf-8"?>
 <?mso-contentType ?>
 <FormTemplates xmlns="http://schemas.microsoft.com/sharepoint/v3/contenttype/forms">
@@ -23708,6 +25089,24 @@
 </file>
 
 <file path=customXml/itemProps1.xml><?xml version="1.0" encoding="utf-8"?>
+<ds:datastoreItem xmlns:ds="http://schemas.openxmlformats.org/officeDocument/2006/customXml" ds:itemID="{D23E43D6-DB2F-4C33-A8C8-D28F777A5DE7}">
+  <ds:schemaRefs>
+    <ds:schemaRef ds:uri="http://schemas.microsoft.com/office/2006/metadata/properties"/>
+    <ds:schemaRef ds:uri="http://schemas.microsoft.com/office/2006/documentManagement/types"/>
+    <ds:schemaRef ds:uri="http://schemas.microsoft.com/sharepoint/v3"/>
+    <ds:schemaRef ds:uri="http://purl.org/dc/elements/1.1/"/>
+    <ds:schemaRef ds:uri="http://schemas.openxmlformats.org/package/2006/metadata/core-properties"/>
+    <ds:schemaRef ds:uri="http://www.w3.org/XML/1998/namespace"/>
+    <ds:schemaRef ds:uri="http://schemas.microsoft.com/office/infopath/2007/PartnerControls"/>
+    <ds:schemaRef ds:uri="http://purl.org/dc/terms/"/>
+    <ds:schemaRef ds:uri="11245976-3b4d-4794-a754-317688483df2"/>
+    <ds:schemaRef ds:uri="569b343d-e775-480b-9b2b-6a6986deb9b0"/>
+    <ds:schemaRef ds:uri="http://purl.org/dc/dcmitype/"/>
+  </ds:schemaRefs>
+</ds:datastoreItem>
+</file>
+
+<file path=customXml/itemProps2.xml><?xml version="1.0" encoding="utf-8"?>
 <ds:datastoreItem xmlns:ds="http://schemas.openxmlformats.org/officeDocument/2006/customXml" ds:itemID="{16E8CB18-CF19-487B-A6ED-834044BC878F}">
   <ds:schemaRefs>
     <ds:schemaRef ds:uri="11245976-3b4d-4794-a754-317688483df2"/>
@@ -23727,24 +25126,6 @@
 </ds:datastoreItem>
 </file>
 
-<file path=customXml/itemProps2.xml><?xml version="1.0" encoding="utf-8"?>
-<ds:datastoreItem xmlns:ds="http://schemas.openxmlformats.org/officeDocument/2006/customXml" ds:itemID="{D23E43D6-DB2F-4C33-A8C8-D28F777A5DE7}">
-  <ds:schemaRefs>
-    <ds:schemaRef ds:uri="http://schemas.microsoft.com/office/2006/metadata/properties"/>
-    <ds:schemaRef ds:uri="http://schemas.microsoft.com/office/2006/documentManagement/types"/>
-    <ds:schemaRef ds:uri="http://schemas.microsoft.com/sharepoint/v3"/>
-    <ds:schemaRef ds:uri="http://purl.org/dc/elements/1.1/"/>
-    <ds:schemaRef ds:uri="http://schemas.openxmlformats.org/package/2006/metadata/core-properties"/>
-    <ds:schemaRef ds:uri="http://www.w3.org/XML/1998/namespace"/>
-    <ds:schemaRef ds:uri="http://schemas.microsoft.com/office/infopath/2007/PartnerControls"/>
-    <ds:schemaRef ds:uri="http://purl.org/dc/terms/"/>
-    <ds:schemaRef ds:uri="11245976-3b4d-4794-a754-317688483df2"/>
-    <ds:schemaRef ds:uri="569b343d-e775-480b-9b2b-6a6986deb9b0"/>
-    <ds:schemaRef ds:uri="http://purl.org/dc/dcmitype/"/>
-  </ds:schemaRefs>
-</ds:datastoreItem>
-</file>
-
 <file path=customXml/itemProps3.xml><?xml version="1.0" encoding="utf-8"?>
 <ds:datastoreItem xmlns:ds="http://schemas.openxmlformats.org/officeDocument/2006/customXml" ds:itemID="{093821A7-5528-48BE-BD00-067FBFDD28D5}">
   <ds:schemaRefs>
